--- a/INVENTORY MANAGEMENT SYSTEM.pptx
+++ b/INVENTORY MANAGEMENT SYSTEM.pptx
@@ -6,20 +6,19 @@
   </p:sldMasterIdLst>
   <p:sldIdLst>
     <p:sldId id="256" r:id="rId2"/>
-    <p:sldId id="257" r:id="rId3"/>
-    <p:sldId id="272" r:id="rId4"/>
-    <p:sldId id="260" r:id="rId5"/>
-    <p:sldId id="271" r:id="rId6"/>
-    <p:sldId id="261" r:id="rId7"/>
-    <p:sldId id="277" r:id="rId8"/>
-    <p:sldId id="263" r:id="rId9"/>
-    <p:sldId id="273" r:id="rId10"/>
-    <p:sldId id="274" r:id="rId11"/>
-    <p:sldId id="265" r:id="rId12"/>
-    <p:sldId id="276" r:id="rId13"/>
-    <p:sldId id="268" r:id="rId14"/>
-    <p:sldId id="269" r:id="rId15"/>
-    <p:sldId id="270" r:id="rId16"/>
+    <p:sldId id="272" r:id="rId3"/>
+    <p:sldId id="260" r:id="rId4"/>
+    <p:sldId id="271" r:id="rId5"/>
+    <p:sldId id="261" r:id="rId6"/>
+    <p:sldId id="277" r:id="rId7"/>
+    <p:sldId id="263" r:id="rId8"/>
+    <p:sldId id="273" r:id="rId9"/>
+    <p:sldId id="274" r:id="rId10"/>
+    <p:sldId id="265" r:id="rId11"/>
+    <p:sldId id="276" r:id="rId12"/>
+    <p:sldId id="268" r:id="rId13"/>
+    <p:sldId id="269" r:id="rId14"/>
+    <p:sldId id="270" r:id="rId15"/>
   </p:sldIdLst>
   <p:sldSz cx="9144000" cy="6858000" type="screen4x3"/>
   <p:notesSz cx="6858000" cy="9144000"/>
@@ -273,7 +272,7 @@
             <a:fld id="{26746E52-77B4-4F43-B344-4C2B1BA97BD1}" type="datetimeFigureOut">
               <a:rPr lang="en-US" smtClean="0"/>
               <a:pPr/>
-              <a:t>6/13/2022</a:t>
+              <a:t>12/23/2024</a:t>
             </a:fld>
             <a:endParaRPr lang="en-US"/>
           </a:p>
@@ -1143,7 +1142,7 @@
             <a:fld id="{26746E52-77B4-4F43-B344-4C2B1BA97BD1}" type="datetimeFigureOut">
               <a:rPr lang="en-US" smtClean="0"/>
               <a:pPr/>
-              <a:t>6/13/2022</a:t>
+              <a:t>12/23/2024</a:t>
             </a:fld>
             <a:endParaRPr lang="en-US"/>
           </a:p>
@@ -1319,7 +1318,7 @@
             <a:fld id="{26746E52-77B4-4F43-B344-4C2B1BA97BD1}" type="datetimeFigureOut">
               <a:rPr lang="en-US" smtClean="0"/>
               <a:pPr/>
-              <a:t>6/13/2022</a:t>
+              <a:t>12/23/2024</a:t>
             </a:fld>
             <a:endParaRPr lang="en-US"/>
           </a:p>
@@ -1490,7 +1489,7 @@
             <a:fld id="{26746E52-77B4-4F43-B344-4C2B1BA97BD1}" type="datetimeFigureOut">
               <a:rPr lang="en-US" smtClean="0"/>
               <a:pPr/>
-              <a:t>6/13/2022</a:t>
+              <a:t>12/23/2024</a:t>
             </a:fld>
             <a:endParaRPr lang="en-US"/>
           </a:p>
@@ -1701,7 +1700,7 @@
             <a:fld id="{26746E52-77B4-4F43-B344-4C2B1BA97BD1}" type="datetimeFigureOut">
               <a:rPr lang="en-US" smtClean="0"/>
               <a:pPr/>
-              <a:t>6/13/2022</a:t>
+              <a:t>12/23/2024</a:t>
             </a:fld>
             <a:endParaRPr lang="en-US"/>
           </a:p>
@@ -2516,7 +2515,7 @@
             <a:fld id="{26746E52-77B4-4F43-B344-4C2B1BA97BD1}" type="datetimeFigureOut">
               <a:rPr lang="en-US" smtClean="0"/>
               <a:pPr/>
-              <a:t>6/13/2022</a:t>
+              <a:t>12/23/2024</a:t>
             </a:fld>
             <a:endParaRPr lang="en-US"/>
           </a:p>
@@ -2753,7 +2752,7 @@
             <a:fld id="{26746E52-77B4-4F43-B344-4C2B1BA97BD1}" type="datetimeFigureOut">
               <a:rPr lang="en-US" smtClean="0"/>
               <a:pPr/>
-              <a:t>6/13/2022</a:t>
+              <a:t>12/23/2024</a:t>
             </a:fld>
             <a:endParaRPr lang="en-US"/>
           </a:p>
@@ -3077,7 +3076,7 @@
             <a:fld id="{26746E52-77B4-4F43-B344-4C2B1BA97BD1}" type="datetimeFigureOut">
               <a:rPr lang="en-US" smtClean="0"/>
               <a:pPr/>
-              <a:t>6/13/2022</a:t>
+              <a:t>12/23/2024</a:t>
             </a:fld>
             <a:endParaRPr lang="en-US"/>
           </a:p>
@@ -3169,7 +3168,7 @@
             <a:fld id="{26746E52-77B4-4F43-B344-4C2B1BA97BD1}" type="datetimeFigureOut">
               <a:rPr lang="en-US" smtClean="0"/>
               <a:pPr/>
-              <a:t>6/13/2022</a:t>
+              <a:t>12/23/2024</a:t>
             </a:fld>
             <a:endParaRPr lang="en-US"/>
           </a:p>
@@ -3687,7 +3686,7 @@
             <a:fld id="{26746E52-77B4-4F43-B344-4C2B1BA97BD1}" type="datetimeFigureOut">
               <a:rPr lang="en-US" smtClean="0"/>
               <a:pPr/>
-              <a:t>6/13/2022</a:t>
+              <a:t>12/23/2024</a:t>
             </a:fld>
             <a:endParaRPr lang="en-US"/>
           </a:p>
@@ -4199,7 +4198,7 @@
             <a:fld id="{26746E52-77B4-4F43-B344-4C2B1BA97BD1}" type="datetimeFigureOut">
               <a:rPr lang="en-US" smtClean="0"/>
               <a:pPr/>
-              <a:t>6/13/2022</a:t>
+              <a:t>12/23/2024</a:t>
             </a:fld>
             <a:endParaRPr lang="en-US"/>
           </a:p>
@@ -4444,7 +4443,7 @@
             <a:fld id="{26746E52-77B4-4F43-B344-4C2B1BA97BD1}" type="datetimeFigureOut">
               <a:rPr lang="en-US" smtClean="0"/>
               <a:pPr/>
-              <a:t>6/13/2022</a:t>
+              <a:t>12/23/2024</a:t>
             </a:fld>
             <a:endParaRPr lang="en-US"/>
           </a:p>
@@ -5091,12 +5090,14 @@
         </p:nvSpPr>
         <p:spPr>
           <a:xfrm>
-            <a:off x="2143108" y="4071942"/>
-            <a:ext cx="6172200" cy="1371600"/>
-          </a:xfrm>
-        </p:spPr>
-        <p:txBody>
-          <a:bodyPr/>
+            <a:off x="7524328" y="6309320"/>
+            <a:ext cx="1619672" cy="360040"/>
+          </a:xfrm>
+        </p:spPr>
+        <p:txBody>
+          <a:bodyPr>
+            <a:normAutofit lnSpcReduction="10000"/>
+          </a:bodyPr>
           <a:lstStyle/>
           <a:p>
             <a:r>
@@ -5104,7 +5105,7 @@
                 <a:latin typeface="Cambria" pitchFamily="18" charset="0"/>
                 <a:ea typeface="Cambria" pitchFamily="18" charset="0"/>
               </a:rPr>
-              <a:t>GROUP-6</a:t>
+              <a:t>Name – Sanu</a:t>
             </a:r>
           </a:p>
         </p:txBody>
@@ -5136,7 +5137,7 @@
       </p:grpSpPr>
       <p:sp>
         <p:nvSpPr>
-          <p:cNvPr id="2" name="Title 1"/>
+          <p:cNvPr id="4" name="Title 3"/>
           <p:cNvSpPr>
             <a:spLocks noGrp="1"/>
           </p:cNvSpPr>
@@ -5146,8 +5147,8 @@
         </p:nvSpPr>
         <p:spPr>
           <a:xfrm>
-            <a:off x="457200" y="285728"/>
-            <a:ext cx="7467600" cy="1000132"/>
+            <a:off x="357158" y="0"/>
+            <a:ext cx="8229600" cy="1143000"/>
           </a:xfrm>
         </p:spPr>
         <p:txBody>
@@ -5157,19 +5158,15 @@
           <a:lstStyle/>
           <a:p>
             <a:r>
-              <a:rPr lang="en-US" sz="2400" u="sng" dirty="0"/>
-              <a:t>Inventory Management system features:</a:t>
-            </a:r>
-            <a:br>
-              <a:rPr lang="en-US" sz="2400" dirty="0"/>
-            </a:br>
-            <a:endParaRPr lang="en-US" sz="2400" dirty="0"/>
-          </a:p>
-        </p:txBody>
-      </p:sp>
-      <p:sp>
-        <p:nvSpPr>
-          <p:cNvPr id="3" name="Content Placeholder 2"/>
+              <a:rPr lang="en-US" sz="2800" dirty="0"/>
+              <a:t>MODULES:</a:t>
+            </a:r>
+          </a:p>
+        </p:txBody>
+      </p:sp>
+      <p:sp>
+        <p:nvSpPr>
+          <p:cNvPr id="5" name="Content Placeholder 4"/>
           <p:cNvSpPr>
             <a:spLocks noGrp="1"/>
           </p:cNvSpPr>
@@ -5179,143 +5176,143 @@
         </p:nvSpPr>
         <p:spPr>
           <a:xfrm>
-            <a:off x="500034" y="1071546"/>
-            <a:ext cx="7467600" cy="4572032"/>
+            <a:off x="500034" y="1214422"/>
+            <a:ext cx="8229600" cy="4445848"/>
           </a:xfrm>
         </p:spPr>
         <p:txBody>
           <a:bodyPr>
-            <a:normAutofit lnSpcReduction="10000"/>
+            <a:noAutofit/>
           </a:bodyPr>
           <a:lstStyle/>
           <a:p>
-            <a:pPr marL="457200" indent="-457200">
-              <a:buFont typeface="+mj-lt"/>
-              <a:buAutoNum type="arabicPeriod"/>
-            </a:pPr>
-            <a:r>
-              <a:rPr lang="en-US" sz="2000" dirty="0"/>
-              <a:t>User Registration</a:t>
-            </a:r>
-          </a:p>
-          <a:p>
-            <a:pPr marL="457200" indent="-457200">
-              <a:buFont typeface="+mj-lt"/>
-              <a:buAutoNum type="arabicPeriod"/>
-            </a:pPr>
-            <a:r>
-              <a:rPr lang="en-US" sz="2000" dirty="0"/>
-              <a:t>User Login</a:t>
-            </a:r>
-          </a:p>
-          <a:p>
-            <a:pPr marL="457200" indent="-457200">
-              <a:buFont typeface="+mj-lt"/>
-              <a:buAutoNum type="arabicPeriod"/>
-            </a:pPr>
-            <a:r>
-              <a:rPr lang="en-US" sz="2000" dirty="0"/>
-              <a:t>Item Management</a:t>
-            </a:r>
-          </a:p>
-          <a:p>
-            <a:pPr marL="457200" indent="-457200">
-              <a:buFont typeface="+mj-lt"/>
-              <a:buAutoNum type="arabicPeriod"/>
-            </a:pPr>
-            <a:r>
-              <a:rPr lang="en-US" sz="2000" dirty="0"/>
-              <a:t>Purchases Management</a:t>
-            </a:r>
-          </a:p>
-          <a:p>
-            <a:pPr marL="457200" indent="-457200">
-              <a:buFont typeface="+mj-lt"/>
-              <a:buAutoNum type="arabicPeriod"/>
-            </a:pPr>
-            <a:r>
-              <a:rPr lang="en-US" sz="2000" dirty="0"/>
-              <a:t>Sales Management</a:t>
-            </a:r>
-          </a:p>
-          <a:p>
-            <a:pPr marL="457200" indent="-457200">
-              <a:buFont typeface="+mj-lt"/>
-              <a:buAutoNum type="arabicPeriod"/>
-            </a:pPr>
-            <a:r>
-              <a:rPr lang="en-US" sz="2000" dirty="0"/>
-              <a:t>Customer Management</a:t>
-            </a:r>
-          </a:p>
-          <a:p>
-            <a:pPr marL="457200" indent="-457200">
-              <a:buFont typeface="+mj-lt"/>
-              <a:buAutoNum type="arabicPeriod"/>
-            </a:pPr>
-            <a:endParaRPr lang="en-US" dirty="0"/>
-          </a:p>
-          <a:p>
-            <a:pPr marL="457200" indent="-457200">
-              <a:buNone/>
-            </a:pPr>
-            <a:r>
-              <a:rPr kumimoji="0" lang="en-US" sz="2400" b="0" i="0" u="sng" strike="noStrike" kern="1200" cap="small" spc="0" normalizeH="0" baseline="0" noProof="0" dirty="0">
-                <a:ln>
-                  <a:noFill/>
-                </a:ln>
-                <a:solidFill>
-                  <a:srgbClr val="575F6D"/>
-                </a:solidFill>
-                <a:effectLst/>
-                <a:uLnTx/>
-                <a:uFillTx/>
-                <a:latin typeface="Century Schoolbook"/>
-                <a:ea typeface="+mj-ea"/>
-                <a:cs typeface="+mj-cs"/>
-              </a:rPr>
-              <a:t>Spring Boot Components:</a:t>
-            </a:r>
-            <a:endParaRPr lang="en-US" u="sng" dirty="0"/>
-          </a:p>
-          <a:p>
-            <a:pPr marL="457200" indent="-457200">
-              <a:buFont typeface="+mj-lt"/>
-              <a:buAutoNum type="arabicPeriod"/>
-            </a:pPr>
-            <a:r>
-              <a:rPr lang="en-US" sz="2000" dirty="0"/>
-              <a:t>Controller</a:t>
-            </a:r>
-          </a:p>
-          <a:p>
-            <a:pPr marL="457200" indent="-457200">
-              <a:buFont typeface="+mj-lt"/>
-              <a:buAutoNum type="arabicPeriod"/>
-            </a:pPr>
-            <a:r>
-              <a:rPr lang="en-US" sz="2000" dirty="0"/>
-              <a:t>Entity</a:t>
-            </a:r>
-          </a:p>
-          <a:p>
-            <a:pPr marL="457200" indent="-457200">
-              <a:buFont typeface="+mj-lt"/>
-              <a:buAutoNum type="arabicPeriod"/>
-            </a:pPr>
-            <a:r>
-              <a:rPr lang="en-US" sz="2000" dirty="0"/>
-              <a:t>Service</a:t>
-            </a:r>
-          </a:p>
-          <a:p>
-            <a:pPr marL="457200" indent="-457200">
-              <a:buFont typeface="+mj-lt"/>
-              <a:buAutoNum type="arabicPeriod"/>
-            </a:pPr>
-            <a:r>
-              <a:rPr lang="en-US" sz="2000" dirty="0"/>
-              <a:t>Repository</a:t>
+            <a:r>
+              <a:rPr lang="en-US" sz="1500" dirty="0"/>
+              <a:t>Admin</a:t>
+            </a:r>
+          </a:p>
+          <a:p>
+            <a:pPr lvl="1"/>
+            <a:r>
+              <a:rPr lang="en-US" sz="1500" dirty="0"/>
+              <a:t>Add Item</a:t>
+            </a:r>
+          </a:p>
+          <a:p>
+            <a:pPr lvl="1"/>
+            <a:r>
+              <a:rPr lang="en-US" sz="1500" dirty="0"/>
+              <a:t>View, Update and Delete Item’s</a:t>
+            </a:r>
+          </a:p>
+          <a:p>
+            <a:pPr lvl="1"/>
+            <a:r>
+              <a:rPr lang="en-US" sz="1500" dirty="0"/>
+              <a:t>View Sale’s Report’s</a:t>
+            </a:r>
+          </a:p>
+          <a:p>
+            <a:pPr lvl="1"/>
+            <a:r>
+              <a:rPr lang="en-US" sz="1500" dirty="0"/>
+              <a:t>View Purchase Report’s</a:t>
+            </a:r>
+          </a:p>
+          <a:p>
+            <a:pPr lvl="1"/>
+            <a:r>
+              <a:rPr lang="en-US" sz="1500" dirty="0"/>
+              <a:t>Add Customer</a:t>
+            </a:r>
+          </a:p>
+          <a:p>
+            <a:pPr lvl="1"/>
+            <a:r>
+              <a:rPr lang="en-US" sz="1500" dirty="0"/>
+              <a:t>View, Update and Delete Customer’s</a:t>
+            </a:r>
+          </a:p>
+          <a:p>
+            <a:pPr lvl="1"/>
+            <a:r>
+              <a:rPr lang="en-US" sz="1500" dirty="0"/>
+              <a:t>Add Vendor</a:t>
+            </a:r>
+          </a:p>
+          <a:p>
+            <a:pPr lvl="1"/>
+            <a:r>
+              <a:rPr lang="en-US" sz="1500" dirty="0"/>
+              <a:t>View, Update and Delete Vendor’s</a:t>
+            </a:r>
+          </a:p>
+          <a:p>
+            <a:r>
+              <a:rPr lang="en-US" sz="1500" dirty="0"/>
+              <a:t>Customer</a:t>
+            </a:r>
+          </a:p>
+          <a:p>
+            <a:pPr lvl="1"/>
+            <a:r>
+              <a:rPr lang="en-US" sz="1500" dirty="0"/>
+              <a:t>View Item’s</a:t>
+            </a:r>
+          </a:p>
+          <a:p>
+            <a:pPr lvl="1"/>
+            <a:r>
+              <a:rPr lang="en-US" sz="1500" dirty="0"/>
+              <a:t>Purchase Item</a:t>
+            </a:r>
+          </a:p>
+          <a:p>
+            <a:pPr lvl="1"/>
+            <a:r>
+              <a:rPr lang="en-US" sz="1500" dirty="0"/>
+              <a:t>View Purchase History</a:t>
+            </a:r>
+          </a:p>
+          <a:p>
+            <a:pPr lvl="1"/>
+            <a:r>
+              <a:rPr lang="en-US" sz="1500" dirty="0"/>
+              <a:t>View, and Update Profile</a:t>
+            </a:r>
+          </a:p>
+          <a:p>
+            <a:r>
+              <a:rPr lang="en-US" sz="1500" dirty="0"/>
+              <a:t>Vendor</a:t>
+            </a:r>
+          </a:p>
+          <a:p>
+            <a:pPr lvl="1"/>
+            <a:r>
+              <a:rPr lang="en-US" sz="1500" dirty="0"/>
+              <a:t>Add Item’s</a:t>
+            </a:r>
+          </a:p>
+          <a:p>
+            <a:pPr lvl="1"/>
+            <a:r>
+              <a:rPr lang="en-US" sz="1500" dirty="0"/>
+              <a:t>View , Update and Delete Item’s</a:t>
+            </a:r>
+          </a:p>
+          <a:p>
+            <a:pPr lvl="1"/>
+            <a:r>
+              <a:rPr lang="en-US" sz="1500" dirty="0"/>
+              <a:t>View Sales Report</a:t>
+            </a:r>
+          </a:p>
+          <a:p>
+            <a:pPr lvl="1"/>
+            <a:r>
+              <a:rPr lang="en-US" sz="1500" dirty="0"/>
+              <a:t>View Profile</a:t>
             </a:r>
           </a:p>
         </p:txBody>
@@ -5347,7 +5344,7 @@
       </p:grpSpPr>
       <p:sp>
         <p:nvSpPr>
-          <p:cNvPr id="4" name="Title 3"/>
+          <p:cNvPr id="2" name="Title 1"/>
           <p:cNvSpPr>
             <a:spLocks noGrp="1"/>
           </p:cNvSpPr>
@@ -5355,178 +5352,46 @@
             <p:ph type="title"/>
           </p:nvPr>
         </p:nvSpPr>
-        <p:spPr>
-          <a:xfrm>
-            <a:off x="357158" y="0"/>
-            <a:ext cx="8229600" cy="1143000"/>
-          </a:xfrm>
-        </p:spPr>
-        <p:txBody>
-          <a:bodyPr>
-            <a:normAutofit/>
-          </a:bodyPr>
-          <a:lstStyle/>
-          <a:p>
-            <a:r>
-              <a:rPr lang="en-US" sz="2800" dirty="0"/>
-              <a:t>MODULES:</a:t>
-            </a:r>
-          </a:p>
-        </p:txBody>
-      </p:sp>
-      <p:sp>
-        <p:nvSpPr>
-          <p:cNvPr id="5" name="Content Placeholder 4"/>
-          <p:cNvSpPr>
-            <a:spLocks noGrp="1"/>
-          </p:cNvSpPr>
+        <p:spPr/>
+        <p:txBody>
+          <a:bodyPr/>
+          <a:lstStyle/>
+          <a:p>
+            <a:r>
+              <a:rPr lang="en-US" dirty="0"/>
+              <a:t>FLOWCHART</a:t>
+            </a:r>
+          </a:p>
+        </p:txBody>
+      </p:sp>
+      <p:pic>
+        <p:nvPicPr>
+          <p:cNvPr id="1027" name="Picture 3" descr="C:\Users\ravis\Desktop\flowwwww.PNG"/>
+          <p:cNvPicPr>
+            <a:picLocks noGrp="1" noChangeAspect="1" noChangeArrowheads="1"/>
+          </p:cNvPicPr>
           <p:nvPr>
             <p:ph sz="quarter" idx="1"/>
           </p:nvPr>
-        </p:nvSpPr>
-        <p:spPr>
-          <a:xfrm>
-            <a:off x="500034" y="1214422"/>
-            <a:ext cx="8229600" cy="4445848"/>
-          </a:xfrm>
-        </p:spPr>
-        <p:txBody>
-          <a:bodyPr>
-            <a:noAutofit/>
-          </a:bodyPr>
-          <a:lstStyle/>
-          <a:p>
-            <a:r>
-              <a:rPr lang="en-US" sz="1500" dirty="0"/>
-              <a:t>Admin</a:t>
-            </a:r>
-          </a:p>
-          <a:p>
-            <a:pPr lvl="1"/>
-            <a:r>
-              <a:rPr lang="en-US" sz="1500" dirty="0"/>
-              <a:t>Add Item</a:t>
-            </a:r>
-          </a:p>
-          <a:p>
-            <a:pPr lvl="1"/>
-            <a:r>
-              <a:rPr lang="en-US" sz="1500" dirty="0"/>
-              <a:t>View, Update and Delete Item’s</a:t>
-            </a:r>
-          </a:p>
-          <a:p>
-            <a:pPr lvl="1"/>
-            <a:r>
-              <a:rPr lang="en-US" sz="1500" dirty="0"/>
-              <a:t>View Sale’s Report’s</a:t>
-            </a:r>
-          </a:p>
-          <a:p>
-            <a:pPr lvl="1"/>
-            <a:r>
-              <a:rPr lang="en-US" sz="1500" dirty="0"/>
-              <a:t>View Purchase Report’s</a:t>
-            </a:r>
-          </a:p>
-          <a:p>
-            <a:pPr lvl="1"/>
-            <a:r>
-              <a:rPr lang="en-US" sz="1500" dirty="0"/>
-              <a:t>Add Customer</a:t>
-            </a:r>
-          </a:p>
-          <a:p>
-            <a:pPr lvl="1"/>
-            <a:r>
-              <a:rPr lang="en-US" sz="1500" dirty="0"/>
-              <a:t>View, Update and Delete Customer’s</a:t>
-            </a:r>
-          </a:p>
-          <a:p>
-            <a:pPr lvl="1"/>
-            <a:r>
-              <a:rPr lang="en-US" sz="1500" dirty="0"/>
-              <a:t>Add Vendor</a:t>
-            </a:r>
-          </a:p>
-          <a:p>
-            <a:pPr lvl="1"/>
-            <a:r>
-              <a:rPr lang="en-US" sz="1500" dirty="0"/>
-              <a:t>View, Update and Delete Vendor’s</a:t>
-            </a:r>
-          </a:p>
-          <a:p>
-            <a:r>
-              <a:rPr lang="en-US" sz="1500" dirty="0"/>
-              <a:t>Customer</a:t>
-            </a:r>
-          </a:p>
-          <a:p>
-            <a:pPr lvl="1"/>
-            <a:r>
-              <a:rPr lang="en-US" sz="1500" dirty="0"/>
-              <a:t>View Item’s</a:t>
-            </a:r>
-          </a:p>
-          <a:p>
-            <a:pPr lvl="1"/>
-            <a:r>
-              <a:rPr lang="en-US" sz="1500" dirty="0"/>
-              <a:t>Purchase Item</a:t>
-            </a:r>
-          </a:p>
-          <a:p>
-            <a:pPr lvl="1"/>
-            <a:r>
-              <a:rPr lang="en-US" sz="1500" dirty="0"/>
-              <a:t>View Purchase History</a:t>
-            </a:r>
-          </a:p>
-          <a:p>
-            <a:pPr lvl="1"/>
-            <a:r>
-              <a:rPr lang="en-US" sz="1500" dirty="0"/>
-              <a:t>View, and Update Profile</a:t>
-            </a:r>
-          </a:p>
-          <a:p>
-            <a:r>
-              <a:rPr lang="en-US" sz="1500" dirty="0"/>
-              <a:t>Vendor</a:t>
-            </a:r>
-          </a:p>
-          <a:p>
-            <a:pPr lvl="1"/>
-            <a:r>
-              <a:rPr lang="en-US" sz="1500" dirty="0"/>
-              <a:t>Add Item’s</a:t>
-            </a:r>
-          </a:p>
-          <a:p>
-            <a:pPr lvl="1"/>
-            <a:r>
-              <a:rPr lang="en-US" sz="1500" dirty="0"/>
-              <a:t>View , Update and Delete Item’s</a:t>
-            </a:r>
-          </a:p>
-          <a:p>
-            <a:pPr lvl="1"/>
-            <a:r>
-              <a:rPr lang="en-US" sz="1500" dirty="0"/>
-              <a:t>View Sales Report</a:t>
-            </a:r>
-          </a:p>
-          <a:p>
-            <a:pPr lvl="1"/>
-            <a:r>
-              <a:rPr lang="en-US" sz="1500" dirty="0"/>
-              <a:t>View Profile</a:t>
-            </a:r>
-          </a:p>
-        </p:txBody>
-      </p:sp>
+        </p:nvPicPr>
+        <p:blipFill>
+          <a:blip r:embed="rId2"/>
+          <a:srcRect/>
+          <a:stretch>
+            <a:fillRect/>
+          </a:stretch>
+        </p:blipFill>
+        <p:spPr bwMode="auto">
+          <a:xfrm>
+            <a:off x="642909" y="1633988"/>
+            <a:ext cx="7429553" cy="4599655"/>
+          </a:xfrm>
+          <a:prstGeom prst="rect">
+            <a:avLst/>
+          </a:prstGeom>
+          <a:noFill/>
+        </p:spPr>
+      </p:pic>
     </p:spTree>
   </p:cSld>
   <p:clrMapOvr>
@@ -5569,39 +5434,108 @@
           <a:p>
             <a:r>
               <a:rPr lang="en-US" dirty="0"/>
-              <a:t>FLOWCHART</a:t>
-            </a:r>
-          </a:p>
-        </p:txBody>
-      </p:sp>
-      <p:pic>
-        <p:nvPicPr>
-          <p:cNvPr id="1027" name="Picture 3" descr="C:\Users\ravis\Desktop\flowwwww.PNG"/>
-          <p:cNvPicPr>
-            <a:picLocks noGrp="1" noChangeAspect="1" noChangeArrowheads="1"/>
-          </p:cNvPicPr>
+              <a:t>ADVANTAGES:</a:t>
+            </a:r>
+          </a:p>
+        </p:txBody>
+      </p:sp>
+      <p:sp>
+        <p:nvSpPr>
+          <p:cNvPr id="3" name="Content Placeholder 2"/>
+          <p:cNvSpPr>
+            <a:spLocks noGrp="1"/>
+          </p:cNvSpPr>
           <p:nvPr>
             <p:ph sz="quarter" idx="1"/>
           </p:nvPr>
-        </p:nvPicPr>
-        <p:blipFill>
-          <a:blip r:embed="rId2"/>
-          <a:srcRect/>
-          <a:stretch>
-            <a:fillRect/>
-          </a:stretch>
-        </p:blipFill>
-        <p:spPr bwMode="auto">
-          <a:xfrm>
-            <a:off x="642909" y="1633988"/>
-            <a:ext cx="7429553" cy="4599655"/>
-          </a:xfrm>
-          <a:prstGeom prst="rect">
-            <a:avLst/>
-          </a:prstGeom>
-          <a:noFill/>
-        </p:spPr>
-      </p:pic>
+        </p:nvSpPr>
+        <p:spPr/>
+        <p:txBody>
+          <a:bodyPr>
+            <a:noAutofit/>
+          </a:bodyPr>
+          <a:lstStyle/>
+          <a:p>
+            <a:r>
+              <a:rPr lang="en-US" sz="2000" dirty="0"/>
+              <a:t>Better Inventory Accuracy.</a:t>
+            </a:r>
+          </a:p>
+          <a:p>
+            <a:r>
+              <a:rPr lang="en-US" sz="2000" dirty="0"/>
+              <a:t>Reduced Risk of Overselling.</a:t>
+            </a:r>
+          </a:p>
+          <a:p>
+            <a:r>
+              <a:rPr lang="en-US" sz="2000" dirty="0"/>
+              <a:t>Cost Savings.</a:t>
+            </a:r>
+          </a:p>
+          <a:p>
+            <a:r>
+              <a:rPr lang="en-US" sz="2000" dirty="0"/>
+              <a:t>Avoiding Stockouts and Excess Stock.</a:t>
+            </a:r>
+          </a:p>
+          <a:p>
+            <a:r>
+              <a:rPr lang="en-US" sz="2000" dirty="0"/>
+              <a:t>Greater Insights.</a:t>
+            </a:r>
+          </a:p>
+          <a:p>
+            <a:r>
+              <a:rPr lang="en-US" sz="2000" dirty="0"/>
+              <a:t>Better Terms With Vendors and Suppliers.</a:t>
+            </a:r>
+            <a:endParaRPr lang="en-US" sz="2000" dirty="0">
+              <a:latin typeface="Times New Roman" pitchFamily="18" charset="0"/>
+              <a:cs typeface="Times New Roman" pitchFamily="18" charset="0"/>
+            </a:endParaRPr>
+          </a:p>
+          <a:p>
+            <a:r>
+              <a:rPr lang="en-US" sz="2000" dirty="0"/>
+              <a:t>More Productivity.</a:t>
+            </a:r>
+            <a:endParaRPr lang="en-US" sz="2000" dirty="0">
+              <a:latin typeface="Times New Roman" pitchFamily="18" charset="0"/>
+              <a:cs typeface="Times New Roman" pitchFamily="18" charset="0"/>
+            </a:endParaRPr>
+          </a:p>
+          <a:p>
+            <a:r>
+              <a:rPr lang="en-US" sz="2000" dirty="0"/>
+              <a:t>Increased Profits.</a:t>
+            </a:r>
+          </a:p>
+          <a:p>
+            <a:r>
+              <a:rPr lang="en-US" sz="2000" dirty="0"/>
+              <a:t>A More Organized Warehouse</a:t>
+            </a:r>
+            <a:r>
+              <a:rPr lang="en-US" sz="2000" dirty="0">
+                <a:latin typeface="Times New Roman" pitchFamily="18" charset="0"/>
+                <a:cs typeface="Times New Roman" pitchFamily="18" charset="0"/>
+              </a:rPr>
+              <a:t>.</a:t>
+            </a:r>
+          </a:p>
+          <a:p>
+            <a:r>
+              <a:rPr lang="en-US" sz="2000" dirty="0"/>
+              <a:t>Better Customer Experience.</a:t>
+            </a:r>
+            <a:endParaRPr lang="en-US" sz="2000" dirty="0">
+              <a:latin typeface="Times New Roman" pitchFamily="18" charset="0"/>
+              <a:cs typeface="Times New Roman" pitchFamily="18" charset="0"/>
+            </a:endParaRPr>
+          </a:p>
+        </p:txBody>
+      </p:sp>
     </p:spTree>
   </p:cSld>
   <p:clrMapOvr>
@@ -5644,7 +5578,7 @@
           <a:p>
             <a:r>
               <a:rPr lang="en-US" dirty="0"/>
-              <a:t>ADVANTAGES:</a:t>
+              <a:t>CONCLUSION:</a:t>
             </a:r>
           </a:p>
         </p:txBody>
@@ -5662,87 +5596,41 @@
         <p:spPr/>
         <p:txBody>
           <a:bodyPr>
-            <a:noAutofit/>
+            <a:normAutofit/>
           </a:bodyPr>
           <a:lstStyle/>
           <a:p>
             <a:r>
               <a:rPr lang="en-US" sz="2000" dirty="0"/>
-              <a:t>Better Inventory Accuracy.</a:t>
-            </a:r>
+              <a:t>A proper Inventory Management System must be used to manage stocks.</a:t>
+            </a:r>
+          </a:p>
+          <a:p>
+            <a:pPr>
+              <a:buNone/>
+            </a:pPr>
+            <a:endParaRPr lang="en-US" sz="2000" dirty="0"/>
           </a:p>
           <a:p>
             <a:r>
               <a:rPr lang="en-US" sz="2000" dirty="0"/>
-              <a:t>Reduced Risk of Overselling.</a:t>
-            </a:r>
+              <a:t>All inventory management has to do is to keep accurate records of items that are ready for shipment.</a:t>
+            </a:r>
+          </a:p>
+          <a:p>
+            <a:pPr>
+              <a:buNone/>
+            </a:pPr>
+            <a:endParaRPr lang="en-US" sz="2000" dirty="0">
+              <a:latin typeface="Times New Roman" panose="02020603050405020304" pitchFamily="18" charset="0"/>
+              <a:cs typeface="Times New Roman" panose="02020603050405020304" pitchFamily="18" charset="0"/>
+            </a:endParaRPr>
           </a:p>
           <a:p>
             <a:r>
               <a:rPr lang="en-US" sz="2000" dirty="0"/>
-              <a:t>Cost Savings.</a:t>
-            </a:r>
-          </a:p>
-          <a:p>
-            <a:r>
-              <a:rPr lang="en-US" sz="2000" dirty="0"/>
-              <a:t>Avoiding Stockouts and Excess Stock.</a:t>
-            </a:r>
-          </a:p>
-          <a:p>
-            <a:r>
-              <a:rPr lang="en-US" sz="2000" dirty="0"/>
-              <a:t>Greater Insights.</a:t>
-            </a:r>
-          </a:p>
-          <a:p>
-            <a:r>
-              <a:rPr lang="en-US" sz="2000" dirty="0"/>
-              <a:t>Better Terms With Vendors and Suppliers.</a:t>
-            </a:r>
-            <a:endParaRPr lang="en-US" sz="2000" dirty="0">
-              <a:latin typeface="Times New Roman" pitchFamily="18" charset="0"/>
-              <a:cs typeface="Times New Roman" pitchFamily="18" charset="0"/>
-            </a:endParaRPr>
-          </a:p>
-          <a:p>
-            <a:r>
-              <a:rPr lang="en-US" sz="2000" dirty="0"/>
-              <a:t>More Productivity.</a:t>
-            </a:r>
-            <a:endParaRPr lang="en-US" sz="2000" dirty="0">
-              <a:latin typeface="Times New Roman" pitchFamily="18" charset="0"/>
-              <a:cs typeface="Times New Roman" pitchFamily="18" charset="0"/>
-            </a:endParaRPr>
-          </a:p>
-          <a:p>
-            <a:r>
-              <a:rPr lang="en-US" sz="2000" dirty="0"/>
-              <a:t>Increased Profits.</a:t>
-            </a:r>
-          </a:p>
-          <a:p>
-            <a:r>
-              <a:rPr lang="en-US" sz="2000" dirty="0"/>
-              <a:t>A More Organized Warehouse</a:t>
-            </a:r>
-            <a:r>
-              <a:rPr lang="en-US" sz="2000" dirty="0">
-                <a:latin typeface="Times New Roman" pitchFamily="18" charset="0"/>
-                <a:cs typeface="Times New Roman" pitchFamily="18" charset="0"/>
-              </a:rPr>
-              <a:t>.</a:t>
-            </a:r>
-          </a:p>
-          <a:p>
-            <a:r>
-              <a:rPr lang="en-US" sz="2000" dirty="0"/>
-              <a:t>Better Customer Experience.</a:t>
-            </a:r>
-            <a:endParaRPr lang="en-US" sz="2000" dirty="0">
-              <a:latin typeface="Times New Roman" pitchFamily="18" charset="0"/>
-              <a:cs typeface="Times New Roman" pitchFamily="18" charset="0"/>
-            </a:endParaRPr>
+              <a:t>Inventory management is also important for keeping costs down while meeting regulations. Supply and demand are a delicate balance, and inventory management promises to ensure that the balance is undisturbed.</a:t>
+            </a:r>
           </a:p>
         </p:txBody>
       </p:sp>
@@ -5773,104 +5661,6 @@
       </p:grpSpPr>
       <p:sp>
         <p:nvSpPr>
-          <p:cNvPr id="2" name="Title 1"/>
-          <p:cNvSpPr>
-            <a:spLocks noGrp="1"/>
-          </p:cNvSpPr>
-          <p:nvPr>
-            <p:ph type="title"/>
-          </p:nvPr>
-        </p:nvSpPr>
-        <p:spPr/>
-        <p:txBody>
-          <a:bodyPr/>
-          <a:lstStyle/>
-          <a:p>
-            <a:r>
-              <a:rPr lang="en-US" dirty="0"/>
-              <a:t>CONCLUSION:</a:t>
-            </a:r>
-          </a:p>
-        </p:txBody>
-      </p:sp>
-      <p:sp>
-        <p:nvSpPr>
-          <p:cNvPr id="3" name="Content Placeholder 2"/>
-          <p:cNvSpPr>
-            <a:spLocks noGrp="1"/>
-          </p:cNvSpPr>
-          <p:nvPr>
-            <p:ph sz="quarter" idx="1"/>
-          </p:nvPr>
-        </p:nvSpPr>
-        <p:spPr/>
-        <p:txBody>
-          <a:bodyPr>
-            <a:normAutofit/>
-          </a:bodyPr>
-          <a:lstStyle/>
-          <a:p>
-            <a:r>
-              <a:rPr lang="en-US" sz="2000" dirty="0"/>
-              <a:t>A proper Inventory Management System must be used to manage stocks.</a:t>
-            </a:r>
-          </a:p>
-          <a:p>
-            <a:pPr>
-              <a:buNone/>
-            </a:pPr>
-            <a:endParaRPr lang="en-US" sz="2000" dirty="0"/>
-          </a:p>
-          <a:p>
-            <a:r>
-              <a:rPr lang="en-US" sz="2000" dirty="0"/>
-              <a:t>All inventory management has to do is to keep accurate records of items that are ready for shipment.</a:t>
-            </a:r>
-          </a:p>
-          <a:p>
-            <a:pPr>
-              <a:buNone/>
-            </a:pPr>
-            <a:endParaRPr lang="en-US" sz="2000" dirty="0">
-              <a:latin typeface="Times New Roman" panose="02020603050405020304" pitchFamily="18" charset="0"/>
-              <a:cs typeface="Times New Roman" panose="02020603050405020304" pitchFamily="18" charset="0"/>
-            </a:endParaRPr>
-          </a:p>
-          <a:p>
-            <a:r>
-              <a:rPr lang="en-US" sz="2000" dirty="0"/>
-              <a:t>Inventory management is also important for keeping costs down while meeting regulations. Supply and demand are a delicate balance, and inventory management promises to ensure that the balance is undisturbed.</a:t>
-            </a:r>
-          </a:p>
-        </p:txBody>
-      </p:sp>
-    </p:spTree>
-  </p:cSld>
-  <p:clrMapOvr>
-    <a:masterClrMapping/>
-  </p:clrMapOvr>
-</p:sld>
-</file>
-
-<file path=ppt/slides/slide15.xml><?xml version="1.0" encoding="utf-8"?>
-<p:sld xmlns:a="http://schemas.openxmlformats.org/drawingml/2006/main" xmlns:r="http://schemas.openxmlformats.org/officeDocument/2006/relationships" xmlns:p="http://schemas.openxmlformats.org/presentationml/2006/main">
-  <p:cSld>
-    <p:spTree>
-      <p:nvGrpSpPr>
-        <p:cNvPr id="1" name=""/>
-        <p:cNvGrpSpPr/>
-        <p:nvPr/>
-      </p:nvGrpSpPr>
-      <p:grpSpPr>
-        <a:xfrm>
-          <a:off x="0" y="0"/>
-          <a:ext cx="0" cy="0"/>
-          <a:chOff x="0" y="0"/>
-          <a:chExt cx="0" cy="0"/>
-        </a:xfrm>
-      </p:grpSpPr>
-      <p:sp>
-        <p:nvSpPr>
           <p:cNvPr id="8" name="Title 7"/>
           <p:cNvSpPr>
             <a:spLocks noGrp="1"/>
@@ -5940,14 +5730,14 @@
           <a:p>
             <a:r>
               <a:rPr lang="en-US" dirty="0"/>
-              <a:t>TEAM MEMBERS:</a:t>
-            </a:r>
-          </a:p>
-        </p:txBody>
-      </p:sp>
-      <p:sp>
-        <p:nvSpPr>
-          <p:cNvPr id="4" name="Content Placeholder 3"/>
+              <a:t>INDEX</a:t>
+            </a:r>
+          </a:p>
+        </p:txBody>
+      </p:sp>
+      <p:sp>
+        <p:nvSpPr>
+          <p:cNvPr id="3" name="Content Placeholder 2"/>
           <p:cNvSpPr>
             <a:spLocks noGrp="1"/>
           </p:cNvSpPr>
@@ -5961,190 +5751,116 @@
           <a:lstStyle/>
           <a:p>
             <a:pPr>
-              <a:buNone/>
+              <a:buFont typeface="Wingdings" pitchFamily="2" charset="2"/>
+              <a:buChar char="Ø"/>
             </a:pPr>
             <a:r>
-              <a:rPr lang="en-US" sz="1800" b="1" dirty="0"/>
-              <a:t>Employee Id:</a:t>
-            </a:r>
-          </a:p>
-          <a:p>
-            <a:r>
-              <a:rPr lang="en-US" sz="1800" dirty="0"/>
-              <a:t>2504309</a:t>
-            </a:r>
-          </a:p>
-          <a:p>
-            <a:pPr fontAlgn="base"/>
-            <a:r>
-              <a:rPr lang="en-US" sz="1800" dirty="0"/>
-              <a:t>2505835</a:t>
-            </a:r>
-          </a:p>
-          <a:p>
-            <a:pPr fontAlgn="base"/>
-            <a:r>
-              <a:rPr lang="en-US" sz="1800" dirty="0"/>
-              <a:t>2504993</a:t>
-            </a:r>
-          </a:p>
-          <a:p>
-            <a:pPr fontAlgn="base"/>
-            <a:r>
-              <a:rPr lang="en-US" sz="1800" dirty="0"/>
-              <a:t>2507358</a:t>
-            </a:r>
-          </a:p>
-          <a:p>
-            <a:pPr fontAlgn="base"/>
-            <a:r>
-              <a:rPr lang="en-US" sz="1800" dirty="0"/>
-              <a:t>2507203</a:t>
-            </a:r>
-          </a:p>
-          <a:p>
-            <a:pPr fontAlgn="base"/>
-            <a:r>
-              <a:rPr lang="en-US" sz="1800" dirty="0"/>
-              <a:t>2504770</a:t>
-            </a:r>
-          </a:p>
-          <a:p>
-            <a:pPr fontAlgn="base"/>
-            <a:r>
-              <a:rPr lang="en-US" sz="1800" dirty="0"/>
-              <a:t>2503941</a:t>
-            </a:r>
-          </a:p>
-          <a:p>
-            <a:r>
-              <a:rPr lang="en-US" sz="1800" dirty="0"/>
-              <a:t>2503636</a:t>
-            </a:r>
-          </a:p>
-          <a:p>
-            <a:pPr fontAlgn="base"/>
-            <a:r>
-              <a:rPr lang="en-US" sz="1800" dirty="0"/>
-              <a:t>2507340</a:t>
-            </a:r>
-          </a:p>
-          <a:p>
-            <a:r>
-              <a:rPr lang="en-US" sz="1800" dirty="0"/>
-              <a:t>2506668</a:t>
+              <a:rPr lang="en-US" sz="2000" dirty="0"/>
+              <a:t>INTRODUCTION</a:t>
             </a:r>
           </a:p>
           <a:p>
             <a:pPr>
-              <a:buNone/>
+              <a:buFont typeface="Wingdings" pitchFamily="2" charset="2"/>
+              <a:buChar char="Ø"/>
             </a:pPr>
-            <a:endParaRPr lang="en-US" sz="1800" dirty="0">
-              <a:solidFill>
-                <a:schemeClr val="accent1">
-                  <a:lumMod val="75000"/>
-                </a:schemeClr>
-              </a:solidFill>
-              <a:latin typeface="+mj-lt"/>
-            </a:endParaRPr>
-          </a:p>
-          <a:p>
-            <a:endParaRPr lang="en-US" sz="1800" dirty="0"/>
+            <a:r>
+              <a:rPr lang="en-US" sz="2000" dirty="0"/>
+              <a:t>OBJECTIVES &amp; PURPOSE</a:t>
+            </a:r>
+          </a:p>
+          <a:p>
+            <a:pPr>
+              <a:buFont typeface="Wingdings" pitchFamily="2" charset="2"/>
+              <a:buChar char="Ø"/>
+            </a:pPr>
+            <a:r>
+              <a:rPr lang="en-US" sz="2000" dirty="0"/>
+              <a:t>PROJECT OVERVIEW</a:t>
+            </a:r>
+          </a:p>
+          <a:p>
+            <a:pPr>
+              <a:buFont typeface="Wingdings" pitchFamily="2" charset="2"/>
+              <a:buChar char="Ø"/>
+            </a:pPr>
+            <a:r>
+              <a:rPr lang="en-US" sz="2000" dirty="0"/>
+              <a:t>INVENTORY</a:t>
+            </a:r>
+          </a:p>
+          <a:p>
+            <a:pPr>
+              <a:buFont typeface="Wingdings" pitchFamily="2" charset="2"/>
+              <a:buChar char="Ø"/>
+            </a:pPr>
+            <a:r>
+              <a:rPr lang="en-US" sz="2000" dirty="0"/>
+              <a:t>INVENTORY  MANAGEMENT</a:t>
+            </a:r>
+          </a:p>
+          <a:p>
+            <a:pPr>
+              <a:buFont typeface="Wingdings" pitchFamily="2" charset="2"/>
+              <a:buChar char="Ø"/>
+            </a:pPr>
+            <a:r>
+              <a:rPr lang="en-US" sz="2000" dirty="0"/>
+              <a:t>TECHNOLOGIES USED</a:t>
+            </a:r>
+          </a:p>
+          <a:p>
+            <a:pPr>
+              <a:buFont typeface="Wingdings" pitchFamily="2" charset="2"/>
+              <a:buChar char="Ø"/>
+            </a:pPr>
+            <a:r>
+              <a:rPr lang="en-US" sz="2000" dirty="0"/>
+              <a:t>FEATURS AND SPRING BOOT COMPONENTS</a:t>
+            </a:r>
+          </a:p>
+          <a:p>
+            <a:pPr>
+              <a:buFont typeface="Wingdings" pitchFamily="2" charset="2"/>
+              <a:buChar char="Ø"/>
+            </a:pPr>
+            <a:r>
+              <a:rPr lang="en-US" sz="2000" dirty="0"/>
+              <a:t>MODULES</a:t>
+            </a:r>
+          </a:p>
+          <a:p>
+            <a:pPr>
+              <a:buFont typeface="Wingdings" pitchFamily="2" charset="2"/>
+              <a:buChar char="Ø"/>
+            </a:pPr>
+            <a:r>
+              <a:rPr lang="en-US" sz="2000" dirty="0"/>
+              <a:t>FLOWCHART</a:t>
+            </a:r>
+          </a:p>
+          <a:p>
+            <a:pPr>
+              <a:buFont typeface="Wingdings" pitchFamily="2" charset="2"/>
+              <a:buChar char="Ø"/>
+            </a:pPr>
+            <a:r>
+              <a:rPr lang="en-US" sz="2000" dirty="0"/>
+              <a:t>ADVANTAGES</a:t>
+            </a:r>
+          </a:p>
+          <a:p>
+            <a:pPr>
+              <a:buFont typeface="Wingdings" pitchFamily="2" charset="2"/>
+              <a:buChar char="Ø"/>
+            </a:pPr>
+            <a:r>
+              <a:rPr lang="en-US" sz="2000" dirty="0"/>
+              <a:t>CONCLUSION</a:t>
+            </a:r>
           </a:p>
           <a:p>
             <a:endParaRPr lang="en-US" dirty="0"/>
-          </a:p>
-        </p:txBody>
-      </p:sp>
-      <p:sp>
-        <p:nvSpPr>
-          <p:cNvPr id="5" name="Content Placeholder 4"/>
-          <p:cNvSpPr>
-            <a:spLocks noGrp="1"/>
-          </p:cNvSpPr>
-          <p:nvPr>
-            <p:ph sz="quarter" idx="2"/>
-          </p:nvPr>
-        </p:nvSpPr>
-        <p:spPr>
-          <a:xfrm>
-            <a:off x="3786182" y="1600200"/>
-            <a:ext cx="4141666" cy="4572000"/>
-          </a:xfrm>
-        </p:spPr>
-        <p:txBody>
-          <a:bodyPr>
-            <a:normAutofit/>
-          </a:bodyPr>
-          <a:lstStyle/>
-          <a:p>
-            <a:pPr>
-              <a:buNone/>
-            </a:pPr>
-            <a:r>
-              <a:rPr lang="en-US" sz="1800" b="1" dirty="0"/>
-              <a:t>Employee Name:</a:t>
-            </a:r>
-          </a:p>
-          <a:p>
-            <a:r>
-              <a:rPr lang="en-US" sz="1800" dirty="0"/>
-              <a:t>-Sanu(Front-End-Lead)</a:t>
-            </a:r>
-          </a:p>
-          <a:p>
-            <a:r>
-              <a:rPr lang="en-US" sz="1800" dirty="0"/>
-              <a:t>-Sangamesh</a:t>
-            </a:r>
-          </a:p>
-          <a:p>
-            <a:r>
-              <a:rPr lang="en-US" sz="1800" dirty="0"/>
-              <a:t>-Ravindra Suthar(Back-End-Lead)</a:t>
-            </a:r>
-          </a:p>
-          <a:p>
-            <a:r>
-              <a:rPr lang="en-US" sz="1800" dirty="0"/>
-              <a:t>-Ruchika aglawe</a:t>
-            </a:r>
-          </a:p>
-          <a:p>
-            <a:r>
-              <a:rPr lang="en-US" sz="1800" dirty="0"/>
-              <a:t>-Salum madhu</a:t>
-            </a:r>
-          </a:p>
-          <a:p>
-            <a:r>
-              <a:rPr lang="en-US" sz="1800" dirty="0"/>
-              <a:t>-Sachin Shelake</a:t>
-            </a:r>
-          </a:p>
-          <a:p>
-            <a:r>
-              <a:rPr lang="en-US" sz="1800" dirty="0"/>
-              <a:t>-Ratika Kumari</a:t>
-            </a:r>
-          </a:p>
-          <a:p>
-            <a:r>
-              <a:rPr lang="en-US" sz="1800" dirty="0"/>
-              <a:t>-Priya Naveen</a:t>
-            </a:r>
-          </a:p>
-          <a:p>
-            <a:r>
-              <a:rPr lang="en-US" sz="1800" dirty="0"/>
-              <a:t>-Yeswanth Reddy</a:t>
-            </a:r>
-          </a:p>
-          <a:p>
-            <a:r>
-              <a:rPr lang="en-US" sz="1800" dirty="0"/>
-              <a:t>-S Richie</a:t>
-            </a:r>
           </a:p>
         </p:txBody>
       </p:sp>
@@ -6175,7 +5891,7 @@
       </p:grpSpPr>
       <p:sp>
         <p:nvSpPr>
-          <p:cNvPr id="2" name="Title 1"/>
+          <p:cNvPr id="4" name="Title 3"/>
           <p:cNvSpPr>
             <a:spLocks noGrp="1"/>
           </p:cNvSpPr>
@@ -6190,14 +5906,14 @@
           <a:p>
             <a:r>
               <a:rPr lang="en-US" dirty="0"/>
-              <a:t>INDEX</a:t>
-            </a:r>
-          </a:p>
-        </p:txBody>
-      </p:sp>
-      <p:sp>
-        <p:nvSpPr>
-          <p:cNvPr id="3" name="Content Placeholder 2"/>
+              <a:t>INTRODUCTION</a:t>
+            </a:r>
+          </a:p>
+        </p:txBody>
+      </p:sp>
+      <p:sp>
+        <p:nvSpPr>
+          <p:cNvPr id="5" name="Content Placeholder 4"/>
           <p:cNvSpPr>
             <a:spLocks noGrp="1"/>
           </p:cNvSpPr>
@@ -6207,119 +5923,72 @@
         </p:nvSpPr>
         <p:spPr/>
         <p:txBody>
-          <a:bodyPr/>
-          <a:lstStyle/>
-          <a:p>
-            <a:pPr>
-              <a:buFont typeface="Wingdings" pitchFamily="2" charset="2"/>
-              <a:buChar char="Ø"/>
+          <a:bodyPr>
+            <a:normAutofit/>
+          </a:bodyPr>
+          <a:lstStyle/>
+          <a:p>
+            <a:r>
+              <a:rPr lang="en-US" sz="2000" dirty="0">
+                <a:latin typeface="Times New Roman" panose="02020603050405020304" pitchFamily="18" charset="0"/>
+                <a:cs typeface="Times New Roman" panose="02020603050405020304" pitchFamily="18" charset="0"/>
+              </a:rPr>
+              <a:t>A project for an inventory management system that allows users to easily manage and maintain their inventories.</a:t>
+            </a:r>
+          </a:p>
+          <a:p>
+            <a:pPr marL="0" indent="0">
+              <a:buNone/>
             </a:pPr>
-            <a:r>
-              <a:rPr lang="en-US" sz="2000" dirty="0"/>
-              <a:t>INTRODUCTION</a:t>
-            </a:r>
-          </a:p>
-          <a:p>
-            <a:pPr>
-              <a:buFont typeface="Wingdings" pitchFamily="2" charset="2"/>
-              <a:buChar char="Ø"/>
+            <a:endParaRPr lang="en-US" sz="2000" dirty="0">
+              <a:latin typeface="Times New Roman" panose="02020603050405020304" pitchFamily="18" charset="0"/>
+              <a:cs typeface="Times New Roman" panose="02020603050405020304" pitchFamily="18" charset="0"/>
+            </a:endParaRPr>
+          </a:p>
+          <a:p>
+            <a:r>
+              <a:rPr lang="en-US" sz="2000" dirty="0">
+                <a:latin typeface="Times New Roman" panose="02020603050405020304" pitchFamily="18" charset="0"/>
+                <a:cs typeface="Times New Roman" panose="02020603050405020304" pitchFamily="18" charset="0"/>
+              </a:rPr>
+              <a:t>Users can add inventory, delete inventory, enter inventory quantity and other details, update inventory status, and more using the inventory management system.</a:t>
+            </a:r>
+          </a:p>
+          <a:p>
+            <a:pPr marL="0" indent="0">
+              <a:buNone/>
             </a:pPr>
-            <a:r>
-              <a:rPr lang="en-US" sz="2000" dirty="0"/>
-              <a:t>OBJECTIVES &amp; PURPOSE</a:t>
-            </a:r>
-          </a:p>
-          <a:p>
-            <a:pPr>
-              <a:buFont typeface="Wingdings" pitchFamily="2" charset="2"/>
-              <a:buChar char="Ø"/>
+            <a:endParaRPr lang="en-US" sz="2000" dirty="0">
+              <a:latin typeface="Times New Roman" panose="02020603050405020304" pitchFamily="18" charset="0"/>
+              <a:cs typeface="Times New Roman" panose="02020603050405020304" pitchFamily="18" charset="0"/>
+            </a:endParaRPr>
+          </a:p>
+          <a:p>
+            <a:r>
+              <a:rPr lang="en-US" sz="2000" dirty="0">
+                <a:latin typeface="Times New Roman" panose="02020603050405020304" pitchFamily="18" charset="0"/>
+                <a:cs typeface="Times New Roman" panose="02020603050405020304" pitchFamily="18" charset="0"/>
+              </a:rPr>
+              <a:t>Inventory management aims to streamline stocks as much as possible in order to minimize both gluts and shortages.</a:t>
+            </a:r>
+          </a:p>
+          <a:p>
+            <a:pPr marL="0" indent="0">
+              <a:buNone/>
             </a:pPr>
-            <a:r>
-              <a:rPr lang="en-US" sz="2000" dirty="0"/>
-              <a:t>PROJECT OVERVIEW</a:t>
-            </a:r>
-          </a:p>
-          <a:p>
-            <a:pPr>
-              <a:buFont typeface="Wingdings" pitchFamily="2" charset="2"/>
-              <a:buChar char="Ø"/>
-            </a:pPr>
-            <a:r>
-              <a:rPr lang="en-US" sz="2000" dirty="0"/>
-              <a:t>INVENTORY</a:t>
-            </a:r>
-          </a:p>
-          <a:p>
-            <a:pPr>
-              <a:buFont typeface="Wingdings" pitchFamily="2" charset="2"/>
-              <a:buChar char="Ø"/>
-            </a:pPr>
-            <a:r>
-              <a:rPr lang="en-US" sz="2000" dirty="0"/>
-              <a:t>INVENTORY  MANAGEMENT</a:t>
-            </a:r>
-          </a:p>
-          <a:p>
-            <a:pPr>
-              <a:buFont typeface="Wingdings" pitchFamily="2" charset="2"/>
-              <a:buChar char="Ø"/>
-            </a:pPr>
-            <a:r>
-              <a:rPr lang="en-US" sz="2000" dirty="0"/>
-              <a:t>TECHNOLOGIES USED</a:t>
-            </a:r>
-          </a:p>
-          <a:p>
-            <a:pPr>
-              <a:buFont typeface="Wingdings" pitchFamily="2" charset="2"/>
-              <a:buChar char="Ø"/>
-            </a:pPr>
-            <a:r>
-              <a:rPr lang="en-US" sz="2000" dirty="0"/>
-              <a:t>FEATURS AND SPRING BOOT COMPONENTS</a:t>
-            </a:r>
-          </a:p>
-          <a:p>
-            <a:pPr>
-              <a:buFont typeface="Wingdings" pitchFamily="2" charset="2"/>
-              <a:buChar char="Ø"/>
-            </a:pPr>
-            <a:r>
-              <a:rPr lang="en-US" sz="2000" dirty="0"/>
-              <a:t>MODULES</a:t>
-            </a:r>
-          </a:p>
-          <a:p>
-            <a:pPr>
-              <a:buFont typeface="Wingdings" pitchFamily="2" charset="2"/>
-              <a:buChar char="Ø"/>
-            </a:pPr>
-            <a:r>
-              <a:rPr lang="en-US" sz="2000" dirty="0"/>
-              <a:t>FLOWCHART</a:t>
-            </a:r>
-          </a:p>
-          <a:p>
-            <a:pPr>
-              <a:buFont typeface="Wingdings" pitchFamily="2" charset="2"/>
-              <a:buChar char="Ø"/>
-            </a:pPr>
-            <a:r>
-              <a:rPr lang="en-US" sz="2000" dirty="0"/>
-              <a:t>ADVANTAGES</a:t>
-            </a:r>
-          </a:p>
-          <a:p>
-            <a:pPr>
-              <a:buFont typeface="Wingdings" pitchFamily="2" charset="2"/>
-              <a:buChar char="Ø"/>
-            </a:pPr>
-            <a:r>
-              <a:rPr lang="en-US" sz="2000" dirty="0"/>
-              <a:t>CONCLUSION</a:t>
-            </a:r>
-          </a:p>
-          <a:p>
+            <a:endParaRPr lang="en-US" sz="2000" dirty="0">
+              <a:latin typeface="Times New Roman" panose="02020603050405020304" pitchFamily="18" charset="0"/>
+              <a:cs typeface="Times New Roman" panose="02020603050405020304" pitchFamily="18" charset="0"/>
+            </a:endParaRPr>
+          </a:p>
+          <a:p>
+            <a:r>
+              <a:rPr lang="en-US" sz="2000" dirty="0">
+                <a:latin typeface="Times New Roman" panose="02020603050405020304" pitchFamily="18" charset="0"/>
+                <a:cs typeface="Times New Roman" panose="02020603050405020304" pitchFamily="18" charset="0"/>
+              </a:rPr>
+              <a:t>It also keeps track of the current stocks in the store.</a:t>
+            </a:r>
             <a:endParaRPr lang="en-US" dirty="0"/>
           </a:p>
         </p:txBody>
@@ -6351,34 +6020,18 @@
       </p:grpSpPr>
       <p:sp>
         <p:nvSpPr>
-          <p:cNvPr id="4" name="Title 3"/>
+          <p:cNvPr id="2" name="Title 1">
+            <a:extLst>
+              <a:ext uri="{FF2B5EF4-FFF2-40B4-BE49-F238E27FC236}">
+                <a16:creationId xmlns:a16="http://schemas.microsoft.com/office/drawing/2014/main" id="{57F162C6-C9C1-4FFE-BE9D-0F6968567596}"/>
+              </a:ext>
+            </a:extLst>
+          </p:cNvPr>
           <p:cNvSpPr>
             <a:spLocks noGrp="1"/>
           </p:cNvSpPr>
           <p:nvPr>
             <p:ph type="title"/>
-          </p:nvPr>
-        </p:nvSpPr>
-        <p:spPr/>
-        <p:txBody>
-          <a:bodyPr/>
-          <a:lstStyle/>
-          <a:p>
-            <a:r>
-              <a:rPr lang="en-US" dirty="0"/>
-              <a:t>INTRODUCTION</a:t>
-            </a:r>
-          </a:p>
-        </p:txBody>
-      </p:sp>
-      <p:sp>
-        <p:nvSpPr>
-          <p:cNvPr id="5" name="Content Placeholder 4"/>
-          <p:cNvSpPr>
-            <a:spLocks noGrp="1"/>
-          </p:cNvSpPr>
-          <p:nvPr>
-            <p:ph sz="quarter" idx="1"/>
           </p:nvPr>
         </p:nvSpPr>
         <p:spPr/>
@@ -6389,71 +6042,87 @@
           <a:lstStyle/>
           <a:p>
             <a:r>
-              <a:rPr lang="en-US" sz="2000" dirty="0">
-                <a:latin typeface="Times New Roman" panose="02020603050405020304" pitchFamily="18" charset="0"/>
-                <a:cs typeface="Times New Roman" panose="02020603050405020304" pitchFamily="18" charset="0"/>
-              </a:rPr>
-              <a:t>A project for an inventory management system that allows users to easily manage and maintain their inventories.</a:t>
+              <a:rPr lang="en-US" dirty="0"/>
+              <a:t>Objectives and Purpose</a:t>
+            </a:r>
+            <a:endParaRPr lang="en-IN" dirty="0"/>
+          </a:p>
+        </p:txBody>
+      </p:sp>
+      <p:sp>
+        <p:nvSpPr>
+          <p:cNvPr id="3" name="Content Placeholder 2">
+            <a:extLst>
+              <a:ext uri="{FF2B5EF4-FFF2-40B4-BE49-F238E27FC236}">
+                <a16:creationId xmlns:a16="http://schemas.microsoft.com/office/drawing/2014/main" id="{2D8F3328-17C7-4CF4-81C6-791843995E66}"/>
+              </a:ext>
+            </a:extLst>
+          </p:cNvPr>
+          <p:cNvSpPr>
+            <a:spLocks noGrp="1"/>
+          </p:cNvSpPr>
+          <p:nvPr>
+            <p:ph sz="quarter" idx="1"/>
+          </p:nvPr>
+        </p:nvSpPr>
+        <p:spPr/>
+        <p:txBody>
+          <a:bodyPr>
+            <a:normAutofit/>
+          </a:bodyPr>
+          <a:lstStyle/>
+          <a:p>
+            <a:r>
+              <a:rPr lang="en-US" sz="2000" dirty="0"/>
+              <a:t>Keep a track record of each item.</a:t>
+            </a:r>
+          </a:p>
+          <a:p>
+            <a:endParaRPr lang="en-US" sz="2000" dirty="0"/>
+          </a:p>
+          <a:p>
+            <a:r>
+              <a:rPr lang="en-US" sz="2000" dirty="0"/>
+              <a:t>Keep track of sales and purchases.</a:t>
             </a:r>
           </a:p>
           <a:p>
             <a:pPr marL="0" indent="0">
               <a:buNone/>
             </a:pPr>
-            <a:endParaRPr lang="en-US" sz="2000" dirty="0">
-              <a:latin typeface="Times New Roman" panose="02020603050405020304" pitchFamily="18" charset="0"/>
-              <a:cs typeface="Times New Roman" panose="02020603050405020304" pitchFamily="18" charset="0"/>
-            </a:endParaRPr>
-          </a:p>
-          <a:p>
-            <a:r>
-              <a:rPr lang="en-US" sz="2000" dirty="0">
-                <a:latin typeface="Times New Roman" panose="02020603050405020304" pitchFamily="18" charset="0"/>
-                <a:cs typeface="Times New Roman" panose="02020603050405020304" pitchFamily="18" charset="0"/>
-              </a:rPr>
-              <a:t>Users can add inventory, delete inventory, enter inventory quantity and other details, update inventory status, and more using the inventory management system.</a:t>
+            <a:endParaRPr lang="en-US" sz="2000" dirty="0"/>
+          </a:p>
+          <a:p>
+            <a:r>
+              <a:rPr lang="en-US" sz="2000" dirty="0"/>
+              <a:t>Keep track of your customers' accounts and purchase reports. Maintain the vendor's account as well as the sales reports.</a:t>
             </a:r>
           </a:p>
           <a:p>
             <a:pPr marL="0" indent="0">
               <a:buNone/>
             </a:pPr>
-            <a:endParaRPr lang="en-US" sz="2000" dirty="0">
-              <a:latin typeface="Times New Roman" panose="02020603050405020304" pitchFamily="18" charset="0"/>
-              <a:cs typeface="Times New Roman" panose="02020603050405020304" pitchFamily="18" charset="0"/>
+            <a:endParaRPr lang="en-IN" sz="2000" b="0" i="0" dirty="0">
+              <a:effectLst/>
             </a:endParaRPr>
           </a:p>
           <a:p>
             <a:r>
-              <a:rPr lang="en-US" sz="2000" dirty="0">
-                <a:latin typeface="Times New Roman" panose="02020603050405020304" pitchFamily="18" charset="0"/>
-                <a:cs typeface="Times New Roman" panose="02020603050405020304" pitchFamily="18" charset="0"/>
+              <a:rPr lang="en-US" sz="2000" b="0" i="0" dirty="0">
+                <a:effectLst/>
               </a:rPr>
-              <a:t>Inventory management aims to streamline stocks as much as possible in order to minimize both gluts and shortages.</a:t>
-            </a:r>
-          </a:p>
-          <a:p>
-            <a:pPr marL="0" indent="0">
-              <a:buNone/>
-            </a:pPr>
-            <a:endParaRPr lang="en-US" sz="2000" dirty="0">
-              <a:latin typeface="Times New Roman" panose="02020603050405020304" pitchFamily="18" charset="0"/>
-              <a:cs typeface="Times New Roman" panose="02020603050405020304" pitchFamily="18" charset="0"/>
-            </a:endParaRPr>
-          </a:p>
-          <a:p>
-            <a:r>
-              <a:rPr lang="en-US" sz="2000" dirty="0">
-                <a:latin typeface="Times New Roman" panose="02020603050405020304" pitchFamily="18" charset="0"/>
-                <a:cs typeface="Times New Roman" panose="02020603050405020304" pitchFamily="18" charset="0"/>
-              </a:rPr>
-              <a:t>It also keeps track of the current stocks in the store.</a:t>
-            </a:r>
-            <a:endParaRPr lang="en-US" dirty="0"/>
+              <a:t>To provide the appropriate degree of customer service while allowing for cost-effective operations and inventory investment minimization.</a:t>
+            </a:r>
+            <a:endParaRPr lang="en-IN" sz="2000" dirty="0"/>
           </a:p>
         </p:txBody>
       </p:sp>
     </p:spTree>
+    <p:extLst>
+      <p:ext uri="{BB962C8B-B14F-4D97-AF65-F5344CB8AC3E}">
+        <p14:creationId xmlns:p14="http://schemas.microsoft.com/office/powerpoint/2010/main" val="2234867047"/>
+      </p:ext>
+    </p:extLst>
   </p:cSld>
   <p:clrMapOvr>
     <a:masterClrMapping/>
@@ -6480,18 +6149,34 @@
       </p:grpSpPr>
       <p:sp>
         <p:nvSpPr>
-          <p:cNvPr id="2" name="Title 1">
-            <a:extLst>
-              <a:ext uri="{FF2B5EF4-FFF2-40B4-BE49-F238E27FC236}">
-                <a16:creationId xmlns:a16="http://schemas.microsoft.com/office/drawing/2014/main" id="{57F162C6-C9C1-4FFE-BE9D-0F6968567596}"/>
-              </a:ext>
-            </a:extLst>
-          </p:cNvPr>
+          <p:cNvPr id="2" name="Title 1"/>
           <p:cNvSpPr>
             <a:spLocks noGrp="1"/>
           </p:cNvSpPr>
           <p:nvPr>
             <p:ph type="title"/>
+          </p:nvPr>
+        </p:nvSpPr>
+        <p:spPr/>
+        <p:txBody>
+          <a:bodyPr/>
+          <a:lstStyle/>
+          <a:p>
+            <a:r>
+              <a:rPr lang="en-US" dirty="0"/>
+              <a:t>PROJECT OVERVIEW</a:t>
+            </a:r>
+          </a:p>
+        </p:txBody>
+      </p:sp>
+      <p:sp>
+        <p:nvSpPr>
+          <p:cNvPr id="3" name="Content Placeholder 2"/>
+          <p:cNvSpPr>
+            <a:spLocks noGrp="1"/>
+          </p:cNvSpPr>
+          <p:nvPr>
+            <p:ph sz="quarter" idx="1"/>
           </p:nvPr>
         </p:nvSpPr>
         <p:spPr/>
@@ -6502,87 +6187,53 @@
           <a:lstStyle/>
           <a:p>
             <a:r>
-              <a:rPr lang="en-US" dirty="0"/>
-              <a:t>Objectives and Purpose</a:t>
-            </a:r>
-            <a:endParaRPr lang="en-IN" dirty="0"/>
-          </a:p>
-        </p:txBody>
-      </p:sp>
-      <p:sp>
-        <p:nvSpPr>
-          <p:cNvPr id="3" name="Content Placeholder 2">
-            <a:extLst>
-              <a:ext uri="{FF2B5EF4-FFF2-40B4-BE49-F238E27FC236}">
-                <a16:creationId xmlns:a16="http://schemas.microsoft.com/office/drawing/2014/main" id="{2D8F3328-17C7-4CF4-81C6-791843995E66}"/>
-              </a:ext>
-            </a:extLst>
-          </p:cNvPr>
-          <p:cNvSpPr>
-            <a:spLocks noGrp="1"/>
-          </p:cNvSpPr>
-          <p:nvPr>
-            <p:ph sz="quarter" idx="1"/>
-          </p:nvPr>
-        </p:nvSpPr>
-        <p:spPr/>
-        <p:txBody>
-          <a:bodyPr>
-            <a:normAutofit/>
-          </a:bodyPr>
-          <a:lstStyle/>
-          <a:p>
-            <a:r>
-              <a:rPr lang="en-US" sz="2000" dirty="0"/>
-              <a:t>Keep a track record of each item.</a:t>
-            </a:r>
-          </a:p>
-          <a:p>
-            <a:endParaRPr lang="en-US" sz="2000" dirty="0"/>
-          </a:p>
-          <a:p>
-            <a:r>
-              <a:rPr lang="en-US" sz="2000" dirty="0"/>
-              <a:t>Keep track of sales and purchases.</a:t>
+              <a:rPr lang="en-US" sz="2000" dirty="0">
+                <a:latin typeface="Times New Roman" panose="02020603050405020304" pitchFamily="18" charset="0"/>
+                <a:cs typeface="Times New Roman" panose="02020603050405020304" pitchFamily="18" charset="0"/>
+              </a:rPr>
+              <a:t>The selling and buying of products is the focus of this inventory management system.</a:t>
             </a:r>
           </a:p>
           <a:p>
             <a:pPr marL="0" indent="0">
               <a:buNone/>
             </a:pPr>
-            <a:endParaRPr lang="en-US" sz="2000" dirty="0"/>
-          </a:p>
-          <a:p>
-            <a:r>
-              <a:rPr lang="en-US" sz="2000" dirty="0"/>
-              <a:t>Keep track of your customers' accounts and purchase reports. Maintain the vendor's account as well as the sales reports.</a:t>
+            <a:endParaRPr lang="en-US" sz="2000" dirty="0">
+              <a:latin typeface="Times New Roman" panose="02020603050405020304" pitchFamily="18" charset="0"/>
+              <a:cs typeface="Times New Roman" panose="02020603050405020304" pitchFamily="18" charset="0"/>
+            </a:endParaRPr>
+          </a:p>
+          <a:p>
+            <a:r>
+              <a:rPr lang="en-US" sz="2000" dirty="0">
+                <a:latin typeface="Times New Roman" panose="02020603050405020304" pitchFamily="18" charset="0"/>
+                <a:cs typeface="Times New Roman" panose="02020603050405020304" pitchFamily="18" charset="0"/>
+              </a:rPr>
+              <a:t>It's a straightforward project that keeps track of stock levels. This system is user-friendly and offers a lovely user interface.</a:t>
             </a:r>
           </a:p>
           <a:p>
             <a:pPr marL="0" indent="0">
               <a:buNone/>
             </a:pPr>
-            <a:endParaRPr lang="en-IN" sz="2000" b="0" i="0" dirty="0">
-              <a:effectLst/>
+            <a:endParaRPr lang="en-US" sz="2000" dirty="0">
+              <a:latin typeface="Times New Roman" panose="02020603050405020304" pitchFamily="18" charset="0"/>
+              <a:cs typeface="Times New Roman" panose="02020603050405020304" pitchFamily="18" charset="0"/>
             </a:endParaRPr>
           </a:p>
           <a:p>
             <a:r>
-              <a:rPr lang="en-US" sz="2000" b="0" i="0" dirty="0">
-                <a:effectLst/>
+              <a:rPr lang="en-US" sz="2000" dirty="0">
+                <a:latin typeface="Times New Roman" panose="02020603050405020304" pitchFamily="18" charset="0"/>
+                <a:cs typeface="Times New Roman" panose="02020603050405020304" pitchFamily="18" charset="0"/>
               </a:rPr>
-              <a:t>To provide the appropriate degree of customer service while allowing for cost-effective operations and inventory investment minimization.</a:t>
-            </a:r>
-            <a:endParaRPr lang="en-IN" sz="2000" dirty="0"/>
+              <a:t>Reports are generated for the list of Items, Sales, Vendor, Customer, and Purchases by the system.</a:t>
+            </a:r>
+            <a:endParaRPr lang="en-US" sz="2000" dirty="0"/>
           </a:p>
         </p:txBody>
       </p:sp>
     </p:spTree>
-    <p:extLst>
-      <p:ext uri="{BB962C8B-B14F-4D97-AF65-F5344CB8AC3E}">
-        <p14:creationId xmlns:p14="http://schemas.microsoft.com/office/powerpoint/2010/main" val="2234867047"/>
-      </p:ext>
-    </p:extLst>
   </p:cSld>
   <p:clrMapOvr>
     <a:masterClrMapping/>
@@ -6624,7 +6275,7 @@
           <a:p>
             <a:r>
               <a:rPr lang="en-US" dirty="0"/>
-              <a:t>PROJECT OVERVIEW</a:t>
+              <a:t>What is inventory?</a:t>
             </a:r>
           </a:p>
         </p:txBody>
@@ -6639,55 +6290,37 @@
             <p:ph sz="quarter" idx="1"/>
           </p:nvPr>
         </p:nvSpPr>
-        <p:spPr/>
-        <p:txBody>
-          <a:bodyPr/>
-          <a:lstStyle/>
-          <a:p>
-            <a:r>
-              <a:rPr lang="en-US" dirty="0">
-                <a:latin typeface="Times New Roman" panose="02020603050405020304" pitchFamily="18" charset="0"/>
-                <a:cs typeface="Times New Roman" panose="02020603050405020304" pitchFamily="18" charset="0"/>
-              </a:rPr>
-              <a:t>The selling and buying of products is the focus of this inventory management system.</a:t>
+        <p:spPr>
+          <a:xfrm>
+            <a:off x="475659" y="1844824"/>
+            <a:ext cx="7467600" cy="4873752"/>
+          </a:xfrm>
+        </p:spPr>
+        <p:txBody>
+          <a:bodyPr>
+            <a:normAutofit/>
+          </a:bodyPr>
+          <a:lstStyle/>
+          <a:p>
+            <a:r>
+              <a:rPr lang="en-US" sz="2000" dirty="0"/>
+              <a:t>Inventory is a collection of items stored in anticipation of future demand.</a:t>
             </a:r>
           </a:p>
           <a:p>
             <a:pPr marL="0" indent="0">
               <a:buNone/>
             </a:pPr>
-            <a:endParaRPr lang="en-US" dirty="0">
-              <a:latin typeface="Times New Roman" panose="02020603050405020304" pitchFamily="18" charset="0"/>
-              <a:cs typeface="Times New Roman" panose="02020603050405020304" pitchFamily="18" charset="0"/>
-            </a:endParaRPr>
-          </a:p>
-          <a:p>
-            <a:r>
-              <a:rPr lang="en-US" dirty="0">
-                <a:latin typeface="Times New Roman" panose="02020603050405020304" pitchFamily="18" charset="0"/>
-                <a:cs typeface="Times New Roman" panose="02020603050405020304" pitchFamily="18" charset="0"/>
-              </a:rPr>
-              <a:t>It's a straightforward project that keeps track of stock levels. This system is user-friendly and offers a lovely user interface.</a:t>
-            </a:r>
-          </a:p>
-          <a:p>
-            <a:pPr marL="0" indent="0">
-              <a:buNone/>
-            </a:pPr>
-            <a:endParaRPr lang="en-US" dirty="0">
-              <a:latin typeface="Times New Roman" panose="02020603050405020304" pitchFamily="18" charset="0"/>
-              <a:cs typeface="Times New Roman" panose="02020603050405020304" pitchFamily="18" charset="0"/>
-            </a:endParaRPr>
-          </a:p>
-          <a:p>
-            <a:r>
-              <a:rPr lang="en-US" dirty="0">
-                <a:latin typeface="Times New Roman" panose="02020603050405020304" pitchFamily="18" charset="0"/>
-                <a:cs typeface="Times New Roman" panose="02020603050405020304" pitchFamily="18" charset="0"/>
-              </a:rPr>
-              <a:t>Reports are generated for the list of Items, Sales, Vendor, Customer, and Purchases by the system.</a:t>
-            </a:r>
-            <a:endParaRPr lang="en-US" dirty="0"/>
+            <a:br>
+              <a:rPr lang="en-US" sz="2000" dirty="0"/>
+            </a:br>
+            <a:endParaRPr lang="en-US" sz="2000" dirty="0"/>
+          </a:p>
+          <a:p>
+            <a:r>
+              <a:rPr lang="en-US" sz="2000" dirty="0"/>
+              <a:t>The items and supplies held by a company for resale, manufacture, or use are referred to as inventory or stock.</a:t>
+            </a:r>
           </a:p>
         </p:txBody>
       </p:sp>
@@ -6733,7 +6366,7 @@
           <a:p>
             <a:r>
               <a:rPr lang="en-US" dirty="0"/>
-              <a:t>What is inventory?</a:t>
+              <a:t>INVENTORY MANAGEMENT</a:t>
             </a:r>
           </a:p>
         </p:txBody>
@@ -6750,7 +6383,7 @@
         </p:nvSpPr>
         <p:spPr>
           <a:xfrm>
-            <a:off x="475659" y="1844824"/>
+            <a:off x="500034" y="1285860"/>
             <a:ext cx="7467600" cy="4873752"/>
           </a:xfrm>
         </p:spPr>
@@ -6760,24 +6393,53 @@
           </a:bodyPr>
           <a:lstStyle/>
           <a:p>
-            <a:r>
-              <a:rPr lang="en-US" sz="2800" dirty="0"/>
-              <a:t>Inventory is a collection of items stored in anticipation of future demand.</a:t>
+            <a:pPr>
+              <a:buNone/>
+            </a:pPr>
+            <a:endParaRPr lang="en-US" sz="1600" dirty="0">
+              <a:latin typeface="+mj-lt"/>
+            </a:endParaRPr>
+          </a:p>
+          <a:p>
+            <a:endParaRPr lang="en-US" sz="1600" dirty="0">
+              <a:latin typeface="+mj-lt"/>
+            </a:endParaRPr>
+          </a:p>
+          <a:p>
+            <a:r>
+              <a:rPr lang="en-US" sz="2000" dirty="0">
+                <a:latin typeface="+mj-lt"/>
+              </a:rPr>
+              <a:t>Inventory management is the process of determining a company's stock mix and the various demands placed on that stock.</a:t>
             </a:r>
           </a:p>
           <a:p>
             <a:pPr marL="0" indent="0">
               <a:buNone/>
             </a:pPr>
-            <a:br>
-              <a:rPr lang="en-US" sz="2800" dirty="0"/>
-            </a:br>
-            <a:endParaRPr lang="en-US" sz="2800" dirty="0"/>
-          </a:p>
-          <a:p>
-            <a:r>
-              <a:rPr lang="en-US" sz="2800" dirty="0"/>
-              <a:t>The items and supplies held by a company for resale, manufacture, or use are referred to as inventory or stock.</a:t>
+            <a:endParaRPr lang="en-US" sz="2000" dirty="0">
+              <a:latin typeface="+mj-lt"/>
+            </a:endParaRPr>
+          </a:p>
+          <a:p>
+            <a:r>
+              <a:rPr lang="en-US" sz="2000" dirty="0">
+                <a:latin typeface="+mj-lt"/>
+              </a:rPr>
+              <a:t>Inventory management aids businesses in determining which goods to order and when to order it. It keeps track of merchandise from purchase to sale.</a:t>
+            </a:r>
+          </a:p>
+          <a:p>
+            <a:endParaRPr lang="en-US" sz="2000" dirty="0">
+              <a:latin typeface="+mj-lt"/>
+            </a:endParaRPr>
+          </a:p>
+          <a:p>
+            <a:r>
+              <a:rPr lang="en-US" sz="2000" dirty="0">
+                <a:latin typeface="+mj-lt"/>
+              </a:rPr>
+              <a:t>Every other commercial enterprise relies on inventory management.</a:t>
             </a:r>
           </a:p>
         </p:txBody>
@@ -6817,14 +6479,19 @@
             <p:ph type="title"/>
           </p:nvPr>
         </p:nvSpPr>
-        <p:spPr/>
+        <p:spPr>
+          <a:xfrm>
+            <a:off x="457200" y="-99392"/>
+            <a:ext cx="7467600" cy="1143000"/>
+          </a:xfrm>
+        </p:spPr>
         <p:txBody>
           <a:bodyPr/>
           <a:lstStyle/>
           <a:p>
             <a:r>
               <a:rPr lang="en-US" dirty="0"/>
-              <a:t>INVENTORY MANAGEMENT</a:t>
+              <a:t>USED TECHNOLOGY</a:t>
             </a:r>
           </a:p>
         </p:txBody>
@@ -6841,34 +6508,140 @@
         </p:nvSpPr>
         <p:spPr>
           <a:xfrm>
-            <a:off x="500034" y="1285860"/>
+            <a:off x="457200" y="1484784"/>
             <a:ext cx="7467600" cy="4873752"/>
           </a:xfrm>
         </p:spPr>
         <p:txBody>
           <a:bodyPr>
-            <a:normAutofit/>
+            <a:normAutofit lnSpcReduction="10000"/>
           </a:bodyPr>
           <a:lstStyle/>
           <a:p>
+            <a:r>
+              <a:rPr lang="en-US" sz="2000" b="1" u="sng" dirty="0"/>
+              <a:t>FRONTEND TECHNOLOGIES &amp; TOOLS :</a:t>
+            </a:r>
+          </a:p>
+          <a:p>
             <a:pPr>
-              <a:buNone/>
+              <a:buFont typeface="Arial" pitchFamily="34" charset="0"/>
+              <a:buChar char="•"/>
             </a:pPr>
-            <a:endParaRPr lang="en-US" sz="1600" dirty="0">
-              <a:latin typeface="+mj-lt"/>
-            </a:endParaRPr>
-          </a:p>
-          <a:p>
-            <a:endParaRPr lang="en-US" sz="1600" dirty="0">
-              <a:latin typeface="+mj-lt"/>
-            </a:endParaRPr>
-          </a:p>
-          <a:p>
+            <a:r>
+              <a:rPr lang="en-US" sz="1800" dirty="0">
+                <a:solidFill>
+                  <a:schemeClr val="tx2">
+                    <a:lumMod val="90000"/>
+                  </a:schemeClr>
+                </a:solidFill>
+              </a:rPr>
+              <a:t>Angular</a:t>
+            </a:r>
+          </a:p>
+          <a:p>
+            <a:pPr>
+              <a:buFont typeface="Arial" pitchFamily="34" charset="0"/>
+              <a:buChar char="•"/>
+            </a:pPr>
+            <a:r>
+              <a:rPr lang="en-US" sz="1800" dirty="0">
+                <a:solidFill>
+                  <a:schemeClr val="tx2">
+                    <a:lumMod val="90000"/>
+                  </a:schemeClr>
+                </a:solidFill>
+              </a:rPr>
+              <a:t>Visual Studio Code</a:t>
+            </a:r>
+          </a:p>
+          <a:p>
+            <a:endParaRPr lang="en-US" sz="2000" b="1" u="sng" dirty="0"/>
+          </a:p>
+          <a:p>
+            <a:r>
+              <a:rPr lang="en-US" sz="2000" b="1" u="sng" dirty="0"/>
+              <a:t>BACKEND TECHNOLOGIES  &amp; TOOLS:</a:t>
+            </a:r>
+          </a:p>
+          <a:p>
+            <a:pPr>
+              <a:buFont typeface="Arial" pitchFamily="34" charset="0"/>
+              <a:buChar char="•"/>
+            </a:pPr>
             <a:r>
               <a:rPr lang="en-US" sz="2000" dirty="0">
-                <a:latin typeface="+mj-lt"/>
+                <a:solidFill>
+                  <a:schemeClr val="tx2">
+                    <a:lumMod val="90000"/>
+                  </a:schemeClr>
+                </a:solidFill>
               </a:rPr>
-              <a:t>Inventory management is the process of determining a company's stock mix and the various demands placed on that stock.</a:t>
+              <a:t>MySql</a:t>
+            </a:r>
+          </a:p>
+          <a:p>
+            <a:pPr>
+              <a:buFont typeface="Arial" pitchFamily="34" charset="0"/>
+              <a:buChar char="•"/>
+            </a:pPr>
+            <a:r>
+              <a:rPr lang="en-US" sz="2000" dirty="0">
+                <a:solidFill>
+                  <a:schemeClr val="tx2">
+                    <a:lumMod val="90000"/>
+                  </a:schemeClr>
+                </a:solidFill>
+              </a:rPr>
+              <a:t>Spring Tool Suite</a:t>
+            </a:r>
+          </a:p>
+          <a:p>
+            <a:pPr>
+              <a:buFont typeface="Arial" pitchFamily="34" charset="0"/>
+              <a:buChar char="•"/>
+            </a:pPr>
+            <a:r>
+              <a:rPr lang="en-US" sz="2000" dirty="0">
+                <a:solidFill>
+                  <a:schemeClr val="tx2">
+                    <a:lumMod val="90000"/>
+                  </a:schemeClr>
+                </a:solidFill>
+              </a:rPr>
+              <a:t>Spring Boot</a:t>
+            </a:r>
+          </a:p>
+          <a:p>
+            <a:pPr>
+              <a:buFont typeface="Arial" pitchFamily="34" charset="0"/>
+              <a:buChar char="•"/>
+            </a:pPr>
+            <a:r>
+              <a:rPr lang="en-US" sz="2000" dirty="0">
+                <a:solidFill>
+                  <a:schemeClr val="tx2">
+                    <a:lumMod val="90000"/>
+                  </a:schemeClr>
+                </a:solidFill>
+              </a:rPr>
+              <a:t>JPA( Java Persistent API ), Hibernate</a:t>
+            </a:r>
+          </a:p>
+          <a:p>
+            <a:pPr>
+              <a:buFont typeface="Arial" pitchFamily="34" charset="0"/>
+              <a:buChar char="•"/>
+            </a:pPr>
+            <a:r>
+              <a:rPr lang="en-US" sz="2000" dirty="0">
+                <a:solidFill>
+                  <a:schemeClr val="tx2">
+                    <a:lumMod val="90000"/>
+                  </a:schemeClr>
+                </a:solidFill>
+              </a:rPr>
+              <a:t>Tomcat Server</a:t>
             </a:r>
           </a:p>
           <a:p>
@@ -6876,29 +6649,54 @@
               <a:buNone/>
             </a:pPr>
             <a:endParaRPr lang="en-US" sz="2000" dirty="0">
-              <a:latin typeface="+mj-lt"/>
+              <a:solidFill>
+                <a:schemeClr val="tx2">
+                  <a:lumMod val="90000"/>
+                </a:schemeClr>
+              </a:solidFill>
             </a:endParaRPr>
           </a:p>
           <a:p>
             <a:r>
-              <a:rPr lang="en-US" sz="2000" dirty="0">
-                <a:latin typeface="+mj-lt"/>
+              <a:rPr lang="en-US" sz="2000" b="1" u="sng" dirty="0"/>
+              <a:t>TESTING TECHNOLOGIES &amp; TOOLS:</a:t>
+            </a:r>
+          </a:p>
+          <a:p>
+            <a:pPr>
+              <a:buFont typeface="Arial" pitchFamily="34" charset="0"/>
+              <a:buChar char="•"/>
+            </a:pPr>
+            <a:r>
+              <a:rPr lang="en-US" sz="1800" dirty="0">
+                <a:solidFill>
+                  <a:schemeClr val="tx2">
+                    <a:lumMod val="90000"/>
+                  </a:schemeClr>
+                </a:solidFill>
               </a:rPr>
-              <a:t>Inventory management aids businesses in determining which goods to order and when to order it. It keeps track of merchandise from purchase to sale.</a:t>
-            </a:r>
-          </a:p>
-          <a:p>
-            <a:endParaRPr lang="en-US" sz="2000" dirty="0">
-              <a:latin typeface="+mj-lt"/>
+              <a:t>Postman</a:t>
+            </a:r>
+            <a:r>
+              <a:rPr lang="en-US" sz="1800">
+                <a:solidFill>
+                  <a:schemeClr val="tx2">
+                    <a:lumMod val="90000"/>
+                  </a:schemeClr>
+                </a:solidFill>
+              </a:rPr>
+              <a:t>, TestNG</a:t>
+            </a:r>
+            <a:endParaRPr lang="en-US" sz="1800" dirty="0">
+              <a:solidFill>
+                <a:schemeClr val="tx2">
+                  <a:lumMod val="90000"/>
+                </a:schemeClr>
+              </a:solidFill>
             </a:endParaRPr>
           </a:p>
           <a:p>
-            <a:r>
-              <a:rPr lang="en-US" sz="2000" dirty="0">
-                <a:latin typeface="+mj-lt"/>
-              </a:rPr>
-              <a:t>Every other commercial enterprise relies on inventory management.</a:t>
-            </a:r>
+            <a:endParaRPr lang="en-US" dirty="0"/>
           </a:p>
         </p:txBody>
       </p:sp>
@@ -6939,18 +6737,24 @@
         </p:nvSpPr>
         <p:spPr>
           <a:xfrm>
-            <a:off x="457200" y="-99392"/>
-            <a:ext cx="7467600" cy="1143000"/>
-          </a:xfrm>
-        </p:spPr>
-        <p:txBody>
-          <a:bodyPr/>
-          <a:lstStyle/>
-          <a:p>
-            <a:r>
-              <a:rPr lang="en-US" dirty="0"/>
-              <a:t>USED TECHNOLOGY</a:t>
-            </a:r>
+            <a:off x="457200" y="285728"/>
+            <a:ext cx="7467600" cy="1000132"/>
+          </a:xfrm>
+        </p:spPr>
+        <p:txBody>
+          <a:bodyPr>
+            <a:normAutofit/>
+          </a:bodyPr>
+          <a:lstStyle/>
+          <a:p>
+            <a:r>
+              <a:rPr lang="en-US" sz="2400" u="sng" dirty="0"/>
+              <a:t>Inventory Management system features:</a:t>
+            </a:r>
+            <a:br>
+              <a:rPr lang="en-US" sz="2400" dirty="0"/>
+            </a:br>
+            <a:endParaRPr lang="en-US" sz="2400" dirty="0"/>
           </a:p>
         </p:txBody>
       </p:sp>
@@ -6966,8 +6770,8 @@
         </p:nvSpPr>
         <p:spPr>
           <a:xfrm>
-            <a:off x="457200" y="1484784"/>
-            <a:ext cx="7467600" cy="4873752"/>
+            <a:off x="500034" y="1071546"/>
+            <a:ext cx="7467600" cy="4572032"/>
           </a:xfrm>
         </p:spPr>
         <p:txBody>
@@ -6976,185 +6780,134 @@
           </a:bodyPr>
           <a:lstStyle/>
           <a:p>
-            <a:r>
-              <a:rPr lang="en-US" sz="2000" b="1" u="sng" dirty="0"/>
-              <a:t>FRONTEND TECHNOLOGIES &amp; TOOLS :</a:t>
-            </a:r>
-          </a:p>
-          <a:p>
-            <a:pPr>
-              <a:buFont typeface="Arial" pitchFamily="34" charset="0"/>
-              <a:buChar char="•"/>
+            <a:pPr marL="457200" indent="-457200">
+              <a:buFont typeface="+mj-lt"/>
+              <a:buAutoNum type="arabicPeriod"/>
             </a:pPr>
             <a:r>
-              <a:rPr lang="en-US" sz="1800" dirty="0">
-                <a:solidFill>
-                  <a:schemeClr val="tx2">
-                    <a:lumMod val="90000"/>
-                  </a:schemeClr>
-                </a:solidFill>
-              </a:rPr>
-              <a:t>Angular</a:t>
-            </a:r>
-          </a:p>
-          <a:p>
-            <a:pPr>
-              <a:buFont typeface="Arial" pitchFamily="34" charset="0"/>
-              <a:buChar char="•"/>
+              <a:rPr lang="en-US" sz="2000" dirty="0"/>
+              <a:t>User Registration</a:t>
+            </a:r>
+          </a:p>
+          <a:p>
+            <a:pPr marL="457200" indent="-457200">
+              <a:buFont typeface="+mj-lt"/>
+              <a:buAutoNum type="arabicPeriod"/>
             </a:pPr>
             <a:r>
-              <a:rPr lang="en-US" sz="1800" dirty="0">
-                <a:solidFill>
-                  <a:schemeClr val="tx2">
-                    <a:lumMod val="90000"/>
-                  </a:schemeClr>
-                </a:solidFill>
-              </a:rPr>
-              <a:t>Visual Studio Code</a:t>
-            </a:r>
-          </a:p>
-          <a:p>
-            <a:endParaRPr lang="en-US" sz="2000" b="1" u="sng" dirty="0"/>
-          </a:p>
-          <a:p>
-            <a:r>
-              <a:rPr lang="en-US" sz="2000" b="1" u="sng" dirty="0"/>
-              <a:t>BACKEND TECHNOLOGIES  &amp; TOOLS:</a:t>
-            </a:r>
-          </a:p>
-          <a:p>
-            <a:pPr>
-              <a:buFont typeface="Arial" pitchFamily="34" charset="0"/>
-              <a:buChar char="•"/>
+              <a:rPr lang="en-US" sz="2000" dirty="0"/>
+              <a:t>User Login</a:t>
+            </a:r>
+          </a:p>
+          <a:p>
+            <a:pPr marL="457200" indent="-457200">
+              <a:buFont typeface="+mj-lt"/>
+              <a:buAutoNum type="arabicPeriod"/>
             </a:pPr>
             <a:r>
-              <a:rPr lang="en-US" sz="2000" dirty="0">
-                <a:solidFill>
-                  <a:schemeClr val="tx2">
-                    <a:lumMod val="90000"/>
-                  </a:schemeClr>
-                </a:solidFill>
-              </a:rPr>
-              <a:t>MySql</a:t>
-            </a:r>
-          </a:p>
-          <a:p>
-            <a:pPr>
-              <a:buFont typeface="Arial" pitchFamily="34" charset="0"/>
-              <a:buChar char="•"/>
+              <a:rPr lang="en-US" sz="2000" dirty="0"/>
+              <a:t>Item Management</a:t>
+            </a:r>
+          </a:p>
+          <a:p>
+            <a:pPr marL="457200" indent="-457200">
+              <a:buFont typeface="+mj-lt"/>
+              <a:buAutoNum type="arabicPeriod"/>
             </a:pPr>
             <a:r>
-              <a:rPr lang="en-US" sz="2000" dirty="0">
-                <a:solidFill>
-                  <a:schemeClr val="tx2">
-                    <a:lumMod val="90000"/>
-                  </a:schemeClr>
-                </a:solidFill>
-              </a:rPr>
-              <a:t>Spring Tool Suite</a:t>
-            </a:r>
-          </a:p>
-          <a:p>
-            <a:pPr>
-              <a:buFont typeface="Arial" pitchFamily="34" charset="0"/>
-              <a:buChar char="•"/>
+              <a:rPr lang="en-US" sz="2000" dirty="0"/>
+              <a:t>Purchases Management</a:t>
+            </a:r>
+          </a:p>
+          <a:p>
+            <a:pPr marL="457200" indent="-457200">
+              <a:buFont typeface="+mj-lt"/>
+              <a:buAutoNum type="arabicPeriod"/>
             </a:pPr>
             <a:r>
-              <a:rPr lang="en-US" sz="2000" dirty="0">
-                <a:solidFill>
-                  <a:schemeClr val="tx2">
-                    <a:lumMod val="90000"/>
-                  </a:schemeClr>
-                </a:solidFill>
-              </a:rPr>
-              <a:t>Spring Boot</a:t>
-            </a:r>
-          </a:p>
-          <a:p>
-            <a:pPr>
-              <a:buFont typeface="Arial" pitchFamily="34" charset="0"/>
-              <a:buChar char="•"/>
+              <a:rPr lang="en-US" sz="2000" dirty="0"/>
+              <a:t>Sales Management</a:t>
+            </a:r>
+          </a:p>
+          <a:p>
+            <a:pPr marL="457200" indent="-457200">
+              <a:buFont typeface="+mj-lt"/>
+              <a:buAutoNum type="arabicPeriod"/>
             </a:pPr>
             <a:r>
-              <a:rPr lang="en-US" sz="2000" dirty="0">
-                <a:solidFill>
-                  <a:schemeClr val="tx2">
-                    <a:lumMod val="90000"/>
-                  </a:schemeClr>
-                </a:solidFill>
-              </a:rPr>
-              <a:t>JPA( Java Persistent API ), Hibernate</a:t>
-            </a:r>
-          </a:p>
-          <a:p>
-            <a:pPr>
-              <a:buFont typeface="Arial" pitchFamily="34" charset="0"/>
-              <a:buChar char="•"/>
+              <a:rPr lang="en-US" sz="2000" dirty="0"/>
+              <a:t>Customer Management</a:t>
+            </a:r>
+          </a:p>
+          <a:p>
+            <a:pPr marL="457200" indent="-457200">
+              <a:buFont typeface="+mj-lt"/>
+              <a:buAutoNum type="arabicPeriod"/>
             </a:pPr>
-            <a:r>
-              <a:rPr lang="en-US" sz="2000" dirty="0">
-                <a:solidFill>
-                  <a:schemeClr val="tx2">
-                    <a:lumMod val="90000"/>
-                  </a:schemeClr>
-                </a:solidFill>
-              </a:rPr>
-              <a:t>Tomcat Server</a:t>
-            </a:r>
-          </a:p>
-          <a:p>
-            <a:pPr marL="0" indent="0">
+            <a:endParaRPr lang="en-US" dirty="0"/>
+          </a:p>
+          <a:p>
+            <a:pPr marL="457200" indent="-457200">
               <a:buNone/>
             </a:pPr>
-            <a:endParaRPr lang="en-US" sz="2000" dirty="0">
-              <a:solidFill>
-                <a:schemeClr val="tx2">
-                  <a:lumMod val="90000"/>
-                </a:schemeClr>
-              </a:solidFill>
-            </a:endParaRPr>
-          </a:p>
-          <a:p>
-            <a:r>
-              <a:rPr lang="en-US" sz="2000" b="1" u="sng" dirty="0"/>
-              <a:t>TESTING TECHNOLOGIES &amp; TOOLS:</a:t>
-            </a:r>
-          </a:p>
-          <a:p>
-            <a:pPr>
-              <a:buFont typeface="Arial" pitchFamily="34" charset="0"/>
-              <a:buChar char="•"/>
+            <a:r>
+              <a:rPr kumimoji="0" lang="en-US" sz="2400" b="0" i="0" u="sng" strike="noStrike" kern="1200" cap="small" spc="0" normalizeH="0" baseline="0" noProof="0" dirty="0">
+                <a:ln>
+                  <a:noFill/>
+                </a:ln>
+                <a:solidFill>
+                  <a:srgbClr val="575F6D"/>
+                </a:solidFill>
+                <a:effectLst/>
+                <a:uLnTx/>
+                <a:uFillTx/>
+                <a:latin typeface="Century Schoolbook"/>
+                <a:ea typeface="+mj-ea"/>
+                <a:cs typeface="+mj-cs"/>
+              </a:rPr>
+              <a:t>Spring Boot Components:</a:t>
+            </a:r>
+            <a:endParaRPr lang="en-US" u="sng" dirty="0"/>
+          </a:p>
+          <a:p>
+            <a:pPr marL="457200" indent="-457200">
+              <a:buFont typeface="+mj-lt"/>
+              <a:buAutoNum type="arabicPeriod"/>
             </a:pPr>
             <a:r>
-              <a:rPr lang="en-US" sz="1800" dirty="0">
-                <a:solidFill>
-                  <a:schemeClr val="tx2">
-                    <a:lumMod val="90000"/>
-                  </a:schemeClr>
-                </a:solidFill>
-              </a:rPr>
-              <a:t>Postman</a:t>
-            </a:r>
-            <a:r>
-              <a:rPr lang="en-US" sz="1800">
-                <a:solidFill>
-                  <a:schemeClr val="tx2">
-                    <a:lumMod val="90000"/>
-                  </a:schemeClr>
-                </a:solidFill>
-              </a:rPr>
-              <a:t>, TestNG</a:t>
-            </a:r>
-            <a:endParaRPr lang="en-US" sz="1800" dirty="0">
-              <a:solidFill>
-                <a:schemeClr val="tx2">
-                  <a:lumMod val="90000"/>
-                </a:schemeClr>
-              </a:solidFill>
-            </a:endParaRPr>
-          </a:p>
-          <a:p>
-            <a:endParaRPr lang="en-US" dirty="0"/>
+              <a:rPr lang="en-US" sz="2000" dirty="0"/>
+              <a:t>Controller</a:t>
+            </a:r>
+          </a:p>
+          <a:p>
+            <a:pPr marL="457200" indent="-457200">
+              <a:buFont typeface="+mj-lt"/>
+              <a:buAutoNum type="arabicPeriod"/>
+            </a:pPr>
+            <a:r>
+              <a:rPr lang="en-US" sz="2000" dirty="0"/>
+              <a:t>Entity</a:t>
+            </a:r>
+          </a:p>
+          <a:p>
+            <a:pPr marL="457200" indent="-457200">
+              <a:buFont typeface="+mj-lt"/>
+              <a:buAutoNum type="arabicPeriod"/>
+            </a:pPr>
+            <a:r>
+              <a:rPr lang="en-US" sz="2000" dirty="0"/>
+              <a:t>Service</a:t>
+            </a:r>
+          </a:p>
+          <a:p>
+            <a:pPr marL="457200" indent="-457200">
+              <a:buFont typeface="+mj-lt"/>
+              <a:buAutoNum type="arabicPeriod"/>
+            </a:pPr>
+            <a:r>
+              <a:rPr lang="en-US" sz="2000" dirty="0"/>
+              <a:t>Repository</a:t>
+            </a:r>
           </a:p>
         </p:txBody>
       </p:sp>
